--- a/exec/시연시나리오_광주2반_C207.pptx
+++ b/exec/시연시나리오_광주2반_C207.pptx
@@ -5,7 +5,7 @@
     <p:sldMasterId id="2147483648" r:id="rId1"/>
   </p:sldMasterIdLst>
   <p:sldIdLst>
-    <p:sldId id="257" r:id="rId2"/>
+    <p:sldId id="272" r:id="rId2"/>
     <p:sldId id="261" r:id="rId3"/>
     <p:sldId id="256" r:id="rId4"/>
     <p:sldId id="262" r:id="rId5"/>
@@ -18,6 +18,7 @@
     <p:sldId id="269" r:id="rId12"/>
     <p:sldId id="270" r:id="rId13"/>
     <p:sldId id="271" r:id="rId14"/>
+    <p:sldId id="273" r:id="rId15"/>
   </p:sldIdLst>
   <p:sldSz cx="12192000" cy="6858000"/>
   <p:notesSz cx="6858000" cy="9144000"/>
@@ -2988,16 +2989,12 @@
             <a:graphicFrameLocks noGrp="1"/>
           </p:cNvGraphicFramePr>
           <p:nvPr>
-            <p:extLst>
-              <p:ext uri="{D42A27DB-BD31-4B8C-83A1-F6EECF244321}">
-                <p14:modId xmlns:p14="http://schemas.microsoft.com/office/powerpoint/2010/main" val="3405027510"/>
-              </p:ext>
-            </p:extLst>
+            <p:extLst/>
           </p:nvPr>
         </p:nvGraphicFramePr>
         <p:xfrm>
           <a:off x="6257171" y="549720"/>
-          <a:ext cx="5779498" cy="1254760"/>
+          <a:ext cx="5779498" cy="1625600"/>
         </p:xfrm>
         <a:graphic>
           <a:graphicData uri="http://schemas.openxmlformats.org/drawingml/2006/table">
@@ -3642,6 +3639,245 @@
                   </a:ext>
                 </a:extLst>
               </a:tr>
+              <a:tr h="370840">
+                <a:tc>
+                  <a:txBody>
+                    <a:bodyPr/>
+                    <a:lstStyle/>
+                    <a:p>
+                      <a:pPr algn="ctr" latinLnBrk="1"/>
+                      <a:r>
+                        <a:rPr lang="en-US" altLang="ko-KR" sz="1400" dirty="0" smtClean="0">
+                          <a:solidFill>
+                            <a:schemeClr val="tx1"/>
+                          </a:solidFill>
+                        </a:rPr>
+                        <a:t>B</a:t>
+                      </a:r>
+                      <a:endParaRPr lang="ko-KR" altLang="en-US" sz="1400" dirty="0">
+                        <a:solidFill>
+                          <a:schemeClr val="tx1"/>
+                        </a:solidFill>
+                      </a:endParaRPr>
+                    </a:p>
+                  </a:txBody>
+                  <a:tcPr anchor="ctr">
+                    <a:lnL w="19050" cap="flat" cmpd="sng" algn="ctr">
+                      <a:solidFill>
+                        <a:schemeClr val="tx1"/>
+                      </a:solidFill>
+                      <a:prstDash val="solid"/>
+                      <a:round/>
+                      <a:headEnd type="none" w="med" len="med"/>
+                      <a:tailEnd type="none" w="med" len="med"/>
+                    </a:lnL>
+                    <a:lnR w="19050" cap="flat" cmpd="sng" algn="ctr">
+                      <a:solidFill>
+                        <a:schemeClr val="tx1"/>
+                      </a:solidFill>
+                      <a:prstDash val="solid"/>
+                      <a:round/>
+                      <a:headEnd type="none" w="med" len="med"/>
+                      <a:tailEnd type="none" w="med" len="med"/>
+                    </a:lnR>
+                    <a:lnT w="19050" cap="flat" cmpd="sng" algn="ctr">
+                      <a:solidFill>
+                        <a:schemeClr val="tx1"/>
+                      </a:solidFill>
+                      <a:prstDash val="solid"/>
+                      <a:round/>
+                      <a:headEnd type="none" w="med" len="med"/>
+                      <a:tailEnd type="none" w="med" len="med"/>
+                    </a:lnT>
+                    <a:lnB w="19050" cap="flat" cmpd="sng" algn="ctr">
+                      <a:solidFill>
+                        <a:schemeClr val="tx1"/>
+                      </a:solidFill>
+                      <a:prstDash val="solid"/>
+                      <a:round/>
+                      <a:headEnd type="none" w="med" len="med"/>
+                      <a:tailEnd type="none" w="med" len="med"/>
+                    </a:lnB>
+                    <a:lnTlToBr w="12700" cmpd="sng">
+                      <a:noFill/>
+                      <a:prstDash val="solid"/>
+                    </a:lnTlToBr>
+                    <a:lnBlToTr w="12700" cmpd="sng">
+                      <a:noFill/>
+                      <a:prstDash val="solid"/>
+                    </a:lnBlToTr>
+                    <a:solidFill>
+                      <a:schemeClr val="bg1"/>
+                    </a:solidFill>
+                  </a:tcPr>
+                </a:tc>
+                <a:tc>
+                  <a:txBody>
+                    <a:bodyPr/>
+                    <a:lstStyle/>
+                    <a:p>
+                      <a:pPr latinLnBrk="1"/>
+                      <a:r>
+                        <a:rPr lang="ko-KR" altLang="en-US" sz="1400" dirty="0" smtClean="0">
+                          <a:solidFill>
+                            <a:schemeClr val="tx1"/>
+                          </a:solidFill>
+                        </a:rPr>
+                        <a:t>알림 권한 설정 버튼</a:t>
+                      </a:r>
+                      <a:endParaRPr lang="ko-KR" altLang="en-US" sz="1400" dirty="0">
+                        <a:solidFill>
+                          <a:schemeClr val="tx1"/>
+                        </a:solidFill>
+                      </a:endParaRPr>
+                    </a:p>
+                  </a:txBody>
+                  <a:tcPr anchor="ctr">
+                    <a:lnL w="19050" cap="flat" cmpd="sng" algn="ctr">
+                      <a:solidFill>
+                        <a:schemeClr val="tx1"/>
+                      </a:solidFill>
+                      <a:prstDash val="solid"/>
+                      <a:round/>
+                      <a:headEnd type="none" w="med" len="med"/>
+                      <a:tailEnd type="none" w="med" len="med"/>
+                    </a:lnL>
+                    <a:lnR w="19050" cap="flat" cmpd="sng" algn="ctr">
+                      <a:solidFill>
+                        <a:schemeClr val="tx1"/>
+                      </a:solidFill>
+                      <a:prstDash val="solid"/>
+                      <a:round/>
+                      <a:headEnd type="none" w="med" len="med"/>
+                      <a:tailEnd type="none" w="med" len="med"/>
+                    </a:lnR>
+                    <a:lnT w="19050" cap="flat" cmpd="sng" algn="ctr">
+                      <a:solidFill>
+                        <a:schemeClr val="tx1"/>
+                      </a:solidFill>
+                      <a:prstDash val="solid"/>
+                      <a:round/>
+                      <a:headEnd type="none" w="med" len="med"/>
+                      <a:tailEnd type="none" w="med" len="med"/>
+                    </a:lnT>
+                    <a:lnB w="19050" cap="flat" cmpd="sng" algn="ctr">
+                      <a:solidFill>
+                        <a:schemeClr val="tx1"/>
+                      </a:solidFill>
+                      <a:prstDash val="solid"/>
+                      <a:round/>
+                      <a:headEnd type="none" w="med" len="med"/>
+                      <a:tailEnd type="none" w="med" len="med"/>
+                    </a:lnB>
+                    <a:lnTlToBr w="12700" cmpd="sng">
+                      <a:noFill/>
+                      <a:prstDash val="solid"/>
+                    </a:lnTlToBr>
+                    <a:lnBlToTr w="12700" cmpd="sng">
+                      <a:noFill/>
+                      <a:prstDash val="solid"/>
+                    </a:lnBlToTr>
+                    <a:solidFill>
+                      <a:schemeClr val="bg1"/>
+                    </a:solidFill>
+                  </a:tcPr>
+                </a:tc>
+                <a:tc>
+                  <a:txBody>
+                    <a:bodyPr/>
+                    <a:lstStyle/>
+                    <a:p>
+                      <a:pPr marL="285750" marR="0" indent="-285750" algn="l" defTabSz="914400" rtl="0" eaLnBrk="1" fontAlgn="auto" latinLnBrk="1" hangingPunct="1">
+                        <a:lnSpc>
+                          <a:spcPct val="100000"/>
+                        </a:lnSpc>
+                        <a:spcBef>
+                          <a:spcPts val="0"/>
+                        </a:spcBef>
+                        <a:spcAft>
+                          <a:spcPts val="0"/>
+                        </a:spcAft>
+                        <a:buClrTx/>
+                        <a:buSzTx/>
+                        <a:buFontTx/>
+                        <a:buChar char="-"/>
+                        <a:tabLst/>
+                        <a:defRPr/>
+                      </a:pPr>
+                      <a:r>
+                        <a:rPr lang="ko-KR" altLang="en-US" sz="1400" dirty="0" err="1" smtClean="0">
+                          <a:solidFill>
+                            <a:schemeClr val="tx1"/>
+                          </a:solidFill>
+                        </a:rPr>
+                        <a:t>스플래쉬</a:t>
+                      </a:r>
+                      <a:r>
+                        <a:rPr lang="ko-KR" altLang="en-US" sz="1400" dirty="0" smtClean="0">
+                          <a:solidFill>
+                            <a:schemeClr val="tx1"/>
+                          </a:solidFill>
+                        </a:rPr>
+                        <a:t> 스크린</a:t>
+                      </a:r>
+                    </a:p>
+                  </a:txBody>
+                  <a:tcPr anchor="ctr">
+                    <a:lnL w="19050" cap="flat" cmpd="sng" algn="ctr">
+                      <a:solidFill>
+                        <a:schemeClr val="tx1"/>
+                      </a:solidFill>
+                      <a:prstDash val="solid"/>
+                      <a:round/>
+                      <a:headEnd type="none" w="med" len="med"/>
+                      <a:tailEnd type="none" w="med" len="med"/>
+                    </a:lnL>
+                    <a:lnR w="19050" cap="flat" cmpd="sng" algn="ctr">
+                      <a:solidFill>
+                        <a:schemeClr val="tx1"/>
+                      </a:solidFill>
+                      <a:prstDash val="solid"/>
+                      <a:round/>
+                      <a:headEnd type="none" w="med" len="med"/>
+                      <a:tailEnd type="none" w="med" len="med"/>
+                    </a:lnR>
+                    <a:lnT w="19050" cap="flat" cmpd="sng" algn="ctr">
+                      <a:solidFill>
+                        <a:schemeClr val="tx1"/>
+                      </a:solidFill>
+                      <a:prstDash val="solid"/>
+                      <a:round/>
+                      <a:headEnd type="none" w="med" len="med"/>
+                      <a:tailEnd type="none" w="med" len="med"/>
+                    </a:lnT>
+                    <a:lnB w="19050" cap="flat" cmpd="sng" algn="ctr">
+                      <a:solidFill>
+                        <a:schemeClr val="tx1"/>
+                      </a:solidFill>
+                      <a:prstDash val="solid"/>
+                      <a:round/>
+                      <a:headEnd type="none" w="med" len="med"/>
+                      <a:tailEnd type="none" w="med" len="med"/>
+                    </a:lnB>
+                    <a:lnTlToBr w="12700" cmpd="sng">
+                      <a:noFill/>
+                      <a:prstDash val="solid"/>
+                    </a:lnTlToBr>
+                    <a:lnBlToTr w="12700" cmpd="sng">
+                      <a:noFill/>
+                      <a:prstDash val="solid"/>
+                    </a:lnBlToTr>
+                    <a:solidFill>
+                      <a:schemeClr val="bg1"/>
+                    </a:solidFill>
+                  </a:tcPr>
+                </a:tc>
+                <a:extLst>
+                  <a:ext uri="{0D108BD9-81ED-4DB2-BD59-A6C34878D82A}">
+                    <a16:rowId xmlns:a16="http://schemas.microsoft.com/office/drawing/2014/main" val="1245216020"/>
+                  </a:ext>
+                </a:extLst>
+              </a:tr>
             </a:tbl>
           </a:graphicData>
         </a:graphic>
@@ -3653,15 +3889,11 @@
             <a:graphicFrameLocks noGrp="1"/>
           </p:cNvGraphicFramePr>
           <p:nvPr>
-            <p:extLst>
-              <p:ext uri="{D42A27DB-BD31-4B8C-83A1-F6EECF244321}">
-                <p14:modId xmlns:p14="http://schemas.microsoft.com/office/powerpoint/2010/main" val="2706996091"/>
-              </p:ext>
-            </p:extLst>
+            <p:extLst/>
           </p:nvPr>
         </p:nvGraphicFramePr>
         <p:xfrm>
-          <a:off x="6257171" y="2466608"/>
+          <a:off x="6257171" y="2824989"/>
           <a:ext cx="5779498" cy="1402080"/>
         </p:xfrm>
         <a:graphic>
@@ -4568,7 +4800,7 @@
     </p:spTree>
     <p:extLst>
       <p:ext uri="{BB962C8B-B14F-4D97-AF65-F5344CB8AC3E}">
-        <p14:creationId xmlns:p14="http://schemas.microsoft.com/office/powerpoint/2010/main" val="3926764544"/>
+        <p14:creationId xmlns:p14="http://schemas.microsoft.com/office/powerpoint/2010/main" val="3495894736"/>
       </p:ext>
     </p:extLst>
   </p:cSld>
@@ -15572,6 +15804,2866 @@
     <p:extLst>
       <p:ext uri="{BB962C8B-B14F-4D97-AF65-F5344CB8AC3E}">
         <p14:creationId xmlns:p14="http://schemas.microsoft.com/office/powerpoint/2010/main" val="533140384"/>
+      </p:ext>
+    </p:extLst>
+  </p:cSld>
+  <p:clrMapOvr>
+    <a:masterClrMapping/>
+  </p:clrMapOvr>
+  <p:timing>
+    <p:tnLst>
+      <p:par>
+        <p:cTn id="1" dur="indefinite" restart="never" nodeType="tmRoot"/>
+      </p:par>
+    </p:tnLst>
+  </p:timing>
+</p:sld>
+</file>
+
+<file path=ppt/slides/slide14.xml><?xml version="1.0" encoding="utf-8"?>
+<p:sld xmlns:a="http://schemas.openxmlformats.org/drawingml/2006/main" xmlns:r="http://schemas.openxmlformats.org/officeDocument/2006/relationships" xmlns:p="http://schemas.openxmlformats.org/presentationml/2006/main">
+  <p:cSld>
+    <p:spTree>
+      <p:nvGrpSpPr>
+        <p:cNvPr id="1" name=""/>
+        <p:cNvGrpSpPr/>
+        <p:nvPr/>
+      </p:nvGrpSpPr>
+      <p:grpSpPr>
+        <a:xfrm>
+          <a:off x="0" y="0"/>
+          <a:ext cx="0" cy="0"/>
+          <a:chOff x="0" y="0"/>
+          <a:chExt cx="0" cy="0"/>
+        </a:xfrm>
+      </p:grpSpPr>
+      <p:pic>
+        <p:nvPicPr>
+          <p:cNvPr id="7" name="그림 6"/>
+          <p:cNvPicPr>
+            <a:picLocks noChangeAspect="1"/>
+          </p:cNvPicPr>
+          <p:nvPr/>
+        </p:nvPicPr>
+        <p:blipFill>
+          <a:blip r:embed="rId2" cstate="email">
+            <a:extLst>
+              <a:ext uri="{28A0092B-C50C-407E-A947-70E740481C1C}">
+                <a14:useLocalDpi xmlns:a14="http://schemas.microsoft.com/office/drawing/2010/main" val="0"/>
+              </a:ext>
+            </a:extLst>
+          </a:blip>
+          <a:stretch>
+            <a:fillRect/>
+          </a:stretch>
+        </p:blipFill>
+        <p:spPr>
+          <a:xfrm>
+            <a:off x="3877617" y="1193791"/>
+            <a:ext cx="2275039" cy="2732454"/>
+          </a:xfrm>
+          <a:prstGeom prst="rect">
+            <a:avLst/>
+          </a:prstGeom>
+        </p:spPr>
+      </p:pic>
+      <p:pic>
+        <p:nvPicPr>
+          <p:cNvPr id="6" name="그림 5"/>
+          <p:cNvPicPr>
+            <a:picLocks noChangeAspect="1"/>
+          </p:cNvPicPr>
+          <p:nvPr/>
+        </p:nvPicPr>
+        <p:blipFill>
+          <a:blip r:embed="rId3" cstate="email">
+            <a:extLst>
+              <a:ext uri="{28A0092B-C50C-407E-A947-70E740481C1C}">
+                <a14:useLocalDpi xmlns:a14="http://schemas.microsoft.com/office/drawing/2010/main" val="0"/>
+              </a:ext>
+            </a:extLst>
+          </a:blip>
+          <a:stretch>
+            <a:fillRect/>
+          </a:stretch>
+        </p:blipFill>
+        <p:spPr>
+          <a:xfrm>
+            <a:off x="2037251" y="661180"/>
+            <a:ext cx="1894173" cy="4630201"/>
+          </a:xfrm>
+          <a:prstGeom prst="rect">
+            <a:avLst/>
+          </a:prstGeom>
+        </p:spPr>
+      </p:pic>
+      <p:pic>
+        <p:nvPicPr>
+          <p:cNvPr id="2" name="그림 1"/>
+          <p:cNvPicPr>
+            <a:picLocks noChangeAspect="1"/>
+          </p:cNvPicPr>
+          <p:nvPr/>
+        </p:nvPicPr>
+        <p:blipFill>
+          <a:blip r:embed="rId4" cstate="email">
+            <a:extLst>
+              <a:ext uri="{28A0092B-C50C-407E-A947-70E740481C1C}">
+                <a14:useLocalDpi xmlns:a14="http://schemas.microsoft.com/office/drawing/2010/main" val="0"/>
+              </a:ext>
+            </a:extLst>
+          </a:blip>
+          <a:stretch>
+            <a:fillRect/>
+          </a:stretch>
+        </p:blipFill>
+        <p:spPr>
+          <a:xfrm>
+            <a:off x="160709" y="661180"/>
+            <a:ext cx="1894173" cy="4630201"/>
+          </a:xfrm>
+          <a:prstGeom prst="rect">
+            <a:avLst/>
+          </a:prstGeom>
+        </p:spPr>
+      </p:pic>
+      <p:graphicFrame>
+        <p:nvGraphicFramePr>
+          <p:cNvPr id="4" name="표 3"/>
+          <p:cNvGraphicFramePr>
+            <a:graphicFrameLocks noGrp="1"/>
+          </p:cNvGraphicFramePr>
+          <p:nvPr>
+            <p:extLst>
+              <p:ext uri="{D42A27DB-BD31-4B8C-83A1-F6EECF244321}">
+                <p14:modId xmlns:p14="http://schemas.microsoft.com/office/powerpoint/2010/main" val="433899244"/>
+              </p:ext>
+            </p:extLst>
+          </p:nvPr>
+        </p:nvGraphicFramePr>
+        <p:xfrm>
+          <a:off x="6257171" y="386861"/>
+          <a:ext cx="5779498" cy="1920240"/>
+        </p:xfrm>
+        <a:graphic>
+          <a:graphicData uri="http://schemas.openxmlformats.org/drawingml/2006/table">
+            <a:tbl>
+              <a:tblPr firstRow="1" bandRow="1">
+                <a:tableStyleId>{5C22544A-7EE6-4342-B048-85BDC9FD1C3A}</a:tableStyleId>
+              </a:tblPr>
+              <a:tblGrid>
+                <a:gridCol w="874546">
+                  <a:extLst>
+                    <a:ext uri="{9D8B030D-6E8A-4147-A177-3AD203B41FA5}">
+                      <a16:colId xmlns:a16="http://schemas.microsoft.com/office/drawing/2014/main" val="1059712960"/>
+                    </a:ext>
+                  </a:extLst>
+                </a:gridCol>
+                <a:gridCol w="2978452">
+                  <a:extLst>
+                    <a:ext uri="{9D8B030D-6E8A-4147-A177-3AD203B41FA5}">
+                      <a16:colId xmlns:a16="http://schemas.microsoft.com/office/drawing/2014/main" val="164122230"/>
+                    </a:ext>
+                  </a:extLst>
+                </a:gridCol>
+                <a:gridCol w="1926500">
+                  <a:extLst>
+                    <a:ext uri="{9D8B030D-6E8A-4147-A177-3AD203B41FA5}">
+                      <a16:colId xmlns:a16="http://schemas.microsoft.com/office/drawing/2014/main" val="4184051919"/>
+                    </a:ext>
+                  </a:extLst>
+                </a:gridCol>
+              </a:tblGrid>
+              <a:tr h="0">
+                <a:tc gridSpan="3">
+                  <a:txBody>
+                    <a:bodyPr/>
+                    <a:lstStyle/>
+                    <a:p>
+                      <a:pPr latinLnBrk="1"/>
+                      <a:r>
+                        <a:rPr lang="en-US" altLang="ko-KR" dirty="0" smtClean="0">
+                          <a:solidFill>
+                            <a:schemeClr val="bg1"/>
+                          </a:solidFill>
+                        </a:rPr>
+                        <a:t>Control</a:t>
+                      </a:r>
+                      <a:endParaRPr lang="ko-KR" altLang="en-US" dirty="0">
+                        <a:solidFill>
+                          <a:schemeClr val="bg1"/>
+                        </a:solidFill>
+                      </a:endParaRPr>
+                    </a:p>
+                  </a:txBody>
+                  <a:tcPr>
+                    <a:lnL w="19050" cap="flat" cmpd="sng" algn="ctr">
+                      <a:solidFill>
+                        <a:schemeClr val="tx1"/>
+                      </a:solidFill>
+                      <a:prstDash val="solid"/>
+                      <a:round/>
+                      <a:headEnd type="none" w="med" len="med"/>
+                      <a:tailEnd type="none" w="med" len="med"/>
+                    </a:lnL>
+                    <a:lnR w="19050" cap="flat" cmpd="sng" algn="ctr">
+                      <a:solidFill>
+                        <a:schemeClr val="tx1"/>
+                      </a:solidFill>
+                      <a:prstDash val="solid"/>
+                      <a:round/>
+                      <a:headEnd type="none" w="med" len="med"/>
+                      <a:tailEnd type="none" w="med" len="med"/>
+                    </a:lnR>
+                    <a:lnT w="19050" cap="flat" cmpd="sng" algn="ctr">
+                      <a:solidFill>
+                        <a:schemeClr val="tx1"/>
+                      </a:solidFill>
+                      <a:prstDash val="solid"/>
+                      <a:round/>
+                      <a:headEnd type="none" w="med" len="med"/>
+                      <a:tailEnd type="none" w="med" len="med"/>
+                    </a:lnT>
+                    <a:lnB w="19050" cap="flat" cmpd="sng" algn="ctr">
+                      <a:solidFill>
+                        <a:schemeClr val="bg1"/>
+                      </a:solidFill>
+                      <a:prstDash val="solid"/>
+                      <a:round/>
+                      <a:headEnd type="none" w="med" len="med"/>
+                      <a:tailEnd type="none" w="med" len="med"/>
+                    </a:lnB>
+                    <a:lnTlToBr w="12700" cmpd="sng">
+                      <a:noFill/>
+                      <a:prstDash val="solid"/>
+                    </a:lnTlToBr>
+                    <a:lnBlToTr w="12700" cmpd="sng">
+                      <a:noFill/>
+                      <a:prstDash val="solid"/>
+                    </a:lnBlToTr>
+                    <a:solidFill>
+                      <a:schemeClr val="tx1"/>
+                    </a:solidFill>
+                  </a:tcPr>
+                </a:tc>
+                <a:tc hMerge="1">
+                  <a:txBody>
+                    <a:bodyPr/>
+                    <a:lstStyle/>
+                    <a:p>
+                      <a:pPr latinLnBrk="1"/>
+                      <a:endParaRPr lang="ko-KR" altLang="en-US" dirty="0"/>
+                    </a:p>
+                  </a:txBody>
+                  <a:tcPr/>
+                </a:tc>
+                <a:tc hMerge="1">
+                  <a:txBody>
+                    <a:bodyPr/>
+                    <a:lstStyle/>
+                    <a:p>
+                      <a:pPr latinLnBrk="1"/>
+                      <a:endParaRPr lang="ko-KR" altLang="en-US" dirty="0">
+                        <a:solidFill>
+                          <a:schemeClr val="bg1"/>
+                        </a:solidFill>
+                      </a:endParaRPr>
+                    </a:p>
+                  </a:txBody>
+                  <a:tcPr>
+                    <a:lnL w="12700" cap="flat" cmpd="sng" algn="ctr">
+                      <a:solidFill>
+                        <a:schemeClr val="tx1"/>
+                      </a:solidFill>
+                      <a:prstDash val="solid"/>
+                      <a:round/>
+                      <a:headEnd type="none" w="med" len="med"/>
+                      <a:tailEnd type="none" w="med" len="med"/>
+                    </a:lnL>
+                    <a:lnR w="12700" cap="flat" cmpd="sng" algn="ctr">
+                      <a:solidFill>
+                        <a:schemeClr val="tx1"/>
+                      </a:solidFill>
+                      <a:prstDash val="solid"/>
+                      <a:round/>
+                      <a:headEnd type="none" w="med" len="med"/>
+                      <a:tailEnd type="none" w="med" len="med"/>
+                    </a:lnR>
+                    <a:lnT w="12700" cap="flat" cmpd="sng" algn="ctr">
+                      <a:solidFill>
+                        <a:schemeClr val="tx1"/>
+                      </a:solidFill>
+                      <a:prstDash val="solid"/>
+                      <a:round/>
+                      <a:headEnd type="none" w="med" len="med"/>
+                      <a:tailEnd type="none" w="med" len="med"/>
+                    </a:lnT>
+                    <a:lnB w="12700" cap="flat" cmpd="sng" algn="ctr">
+                      <a:solidFill>
+                        <a:schemeClr val="tx1"/>
+                      </a:solidFill>
+                      <a:prstDash val="solid"/>
+                      <a:round/>
+                      <a:headEnd type="none" w="med" len="med"/>
+                      <a:tailEnd type="none" w="med" len="med"/>
+                    </a:lnB>
+                    <a:lnTlToBr w="12700" cmpd="sng">
+                      <a:noFill/>
+                      <a:prstDash val="solid"/>
+                    </a:lnTlToBr>
+                    <a:lnBlToTr w="12700" cmpd="sng">
+                      <a:noFill/>
+                      <a:prstDash val="solid"/>
+                    </a:lnBlToTr>
+                    <a:solidFill>
+                      <a:schemeClr val="tx1"/>
+                    </a:solidFill>
+                  </a:tcPr>
+                </a:tc>
+                <a:extLst>
+                  <a:ext uri="{0D108BD9-81ED-4DB2-BD59-A6C34878D82A}">
+                    <a16:rowId xmlns:a16="http://schemas.microsoft.com/office/drawing/2014/main" val="1522054024"/>
+                  </a:ext>
+                </a:extLst>
+              </a:tr>
+              <a:tr h="370840">
+                <a:tc>
+                  <a:txBody>
+                    <a:bodyPr/>
+                    <a:lstStyle/>
+                    <a:p>
+                      <a:pPr algn="ctr" latinLnBrk="1"/>
+                      <a:r>
+                        <a:rPr lang="en-US" altLang="ko-KR" sz="1400" dirty="0" smtClean="0">
+                          <a:solidFill>
+                            <a:schemeClr val="bg1"/>
+                          </a:solidFill>
+                        </a:rPr>
+                        <a:t>No</a:t>
+                      </a:r>
+                      <a:endParaRPr lang="ko-KR" altLang="en-US" sz="1400" dirty="0">
+                        <a:solidFill>
+                          <a:schemeClr val="bg1"/>
+                        </a:solidFill>
+                      </a:endParaRPr>
+                    </a:p>
+                  </a:txBody>
+                  <a:tcPr anchor="ctr">
+                    <a:lnL w="19050" cap="flat" cmpd="sng" algn="ctr">
+                      <a:solidFill>
+                        <a:schemeClr val="tx1"/>
+                      </a:solidFill>
+                      <a:prstDash val="solid"/>
+                      <a:round/>
+                      <a:headEnd type="none" w="med" len="med"/>
+                      <a:tailEnd type="none" w="med" len="med"/>
+                    </a:lnL>
+                    <a:lnR w="19050" cap="flat" cmpd="sng" algn="ctr">
+                      <a:solidFill>
+                        <a:schemeClr val="bg1"/>
+                      </a:solidFill>
+                      <a:prstDash val="solid"/>
+                      <a:round/>
+                      <a:headEnd type="none" w="med" len="med"/>
+                      <a:tailEnd type="none" w="med" len="med"/>
+                    </a:lnR>
+                    <a:lnT w="19050" cap="flat" cmpd="sng" algn="ctr">
+                      <a:solidFill>
+                        <a:schemeClr val="bg1"/>
+                      </a:solidFill>
+                      <a:prstDash val="solid"/>
+                      <a:round/>
+                      <a:headEnd type="none" w="med" len="med"/>
+                      <a:tailEnd type="none" w="med" len="med"/>
+                    </a:lnT>
+                    <a:lnB w="19050" cap="flat" cmpd="sng" algn="ctr">
+                      <a:solidFill>
+                        <a:schemeClr val="tx1"/>
+                      </a:solidFill>
+                      <a:prstDash val="solid"/>
+                      <a:round/>
+                      <a:headEnd type="none" w="med" len="med"/>
+                      <a:tailEnd type="none" w="med" len="med"/>
+                    </a:lnB>
+                    <a:lnTlToBr w="12700" cmpd="sng">
+                      <a:noFill/>
+                      <a:prstDash val="solid"/>
+                    </a:lnTlToBr>
+                    <a:lnBlToTr w="12700" cmpd="sng">
+                      <a:noFill/>
+                      <a:prstDash val="solid"/>
+                    </a:lnBlToTr>
+                    <a:solidFill>
+                      <a:schemeClr val="tx1"/>
+                    </a:solidFill>
+                  </a:tcPr>
+                </a:tc>
+                <a:tc>
+                  <a:txBody>
+                    <a:bodyPr/>
+                    <a:lstStyle/>
+                    <a:p>
+                      <a:pPr algn="ctr" latinLnBrk="1"/>
+                      <a:r>
+                        <a:rPr lang="en-US" altLang="ko-KR" sz="1400" dirty="0" smtClean="0">
+                          <a:solidFill>
+                            <a:schemeClr val="bg1"/>
+                          </a:solidFill>
+                        </a:rPr>
+                        <a:t>Description</a:t>
+                      </a:r>
+                      <a:endParaRPr lang="ko-KR" altLang="en-US" sz="1400" dirty="0">
+                        <a:solidFill>
+                          <a:schemeClr val="bg1"/>
+                        </a:solidFill>
+                      </a:endParaRPr>
+                    </a:p>
+                  </a:txBody>
+                  <a:tcPr anchor="ctr">
+                    <a:lnL w="19050" cap="flat" cmpd="sng" algn="ctr">
+                      <a:solidFill>
+                        <a:schemeClr val="bg1"/>
+                      </a:solidFill>
+                      <a:prstDash val="solid"/>
+                      <a:round/>
+                      <a:headEnd type="none" w="med" len="med"/>
+                      <a:tailEnd type="none" w="med" len="med"/>
+                    </a:lnL>
+                    <a:lnR w="19050" cap="flat" cmpd="sng" algn="ctr">
+                      <a:solidFill>
+                        <a:schemeClr val="bg1"/>
+                      </a:solidFill>
+                      <a:prstDash val="solid"/>
+                      <a:round/>
+                      <a:headEnd type="none" w="med" len="med"/>
+                      <a:tailEnd type="none" w="med" len="med"/>
+                    </a:lnR>
+                    <a:lnT w="19050" cap="flat" cmpd="sng" algn="ctr">
+                      <a:solidFill>
+                        <a:schemeClr val="bg1"/>
+                      </a:solidFill>
+                      <a:prstDash val="solid"/>
+                      <a:round/>
+                      <a:headEnd type="none" w="med" len="med"/>
+                      <a:tailEnd type="none" w="med" len="med"/>
+                    </a:lnT>
+                    <a:lnB w="19050" cap="flat" cmpd="sng" algn="ctr">
+                      <a:solidFill>
+                        <a:schemeClr val="tx1"/>
+                      </a:solidFill>
+                      <a:prstDash val="solid"/>
+                      <a:round/>
+                      <a:headEnd type="none" w="med" len="med"/>
+                      <a:tailEnd type="none" w="med" len="med"/>
+                    </a:lnB>
+                    <a:lnTlToBr w="12700" cmpd="sng">
+                      <a:noFill/>
+                      <a:prstDash val="solid"/>
+                    </a:lnTlToBr>
+                    <a:lnBlToTr w="12700" cmpd="sng">
+                      <a:noFill/>
+                      <a:prstDash val="solid"/>
+                    </a:lnBlToTr>
+                    <a:solidFill>
+                      <a:schemeClr val="tx1"/>
+                    </a:solidFill>
+                  </a:tcPr>
+                </a:tc>
+                <a:tc>
+                  <a:txBody>
+                    <a:bodyPr/>
+                    <a:lstStyle/>
+                    <a:p>
+                      <a:pPr algn="ctr" latinLnBrk="1"/>
+                      <a:r>
+                        <a:rPr lang="en-US" altLang="ko-KR" sz="1400" dirty="0" smtClean="0">
+                          <a:solidFill>
+                            <a:schemeClr val="bg1"/>
+                          </a:solidFill>
+                        </a:rPr>
+                        <a:t>Display</a:t>
+                      </a:r>
+                    </a:p>
+                    <a:p>
+                      <a:pPr algn="ctr" latinLnBrk="1"/>
+                      <a:r>
+                        <a:rPr lang="en-US" altLang="ko-KR" sz="1400" dirty="0" smtClean="0">
+                          <a:solidFill>
+                            <a:schemeClr val="bg1"/>
+                          </a:solidFill>
+                        </a:rPr>
+                        <a:t>Condition</a:t>
+                      </a:r>
+                      <a:endParaRPr lang="ko-KR" altLang="en-US" sz="1400" dirty="0">
+                        <a:solidFill>
+                          <a:schemeClr val="bg1"/>
+                        </a:solidFill>
+                      </a:endParaRPr>
+                    </a:p>
+                  </a:txBody>
+                  <a:tcPr anchor="ctr">
+                    <a:lnL w="19050" cap="flat" cmpd="sng" algn="ctr">
+                      <a:solidFill>
+                        <a:schemeClr val="bg1"/>
+                      </a:solidFill>
+                      <a:prstDash val="solid"/>
+                      <a:round/>
+                      <a:headEnd type="none" w="med" len="med"/>
+                      <a:tailEnd type="none" w="med" len="med"/>
+                    </a:lnL>
+                    <a:lnR w="19050" cap="flat" cmpd="sng" algn="ctr">
+                      <a:solidFill>
+                        <a:schemeClr val="tx1"/>
+                      </a:solidFill>
+                      <a:prstDash val="solid"/>
+                      <a:round/>
+                      <a:headEnd type="none" w="med" len="med"/>
+                      <a:tailEnd type="none" w="med" len="med"/>
+                    </a:lnR>
+                    <a:lnT w="19050" cap="flat" cmpd="sng" algn="ctr">
+                      <a:solidFill>
+                        <a:schemeClr val="bg1"/>
+                      </a:solidFill>
+                      <a:prstDash val="solid"/>
+                      <a:round/>
+                      <a:headEnd type="none" w="med" len="med"/>
+                      <a:tailEnd type="none" w="med" len="med"/>
+                    </a:lnT>
+                    <a:lnB w="19050" cap="flat" cmpd="sng" algn="ctr">
+                      <a:solidFill>
+                        <a:schemeClr val="tx1"/>
+                      </a:solidFill>
+                      <a:prstDash val="solid"/>
+                      <a:round/>
+                      <a:headEnd type="none" w="med" len="med"/>
+                      <a:tailEnd type="none" w="med" len="med"/>
+                    </a:lnB>
+                    <a:lnTlToBr w="12700" cmpd="sng">
+                      <a:noFill/>
+                      <a:prstDash val="solid"/>
+                    </a:lnTlToBr>
+                    <a:lnBlToTr w="12700" cmpd="sng">
+                      <a:noFill/>
+                      <a:prstDash val="solid"/>
+                    </a:lnBlToTr>
+                    <a:solidFill>
+                      <a:schemeClr val="tx1"/>
+                    </a:solidFill>
+                  </a:tcPr>
+                </a:tc>
+                <a:extLst>
+                  <a:ext uri="{0D108BD9-81ED-4DB2-BD59-A6C34878D82A}">
+                    <a16:rowId xmlns:a16="http://schemas.microsoft.com/office/drawing/2014/main" val="673459664"/>
+                  </a:ext>
+                </a:extLst>
+              </a:tr>
+              <a:tr h="370840">
+                <a:tc>
+                  <a:txBody>
+                    <a:bodyPr/>
+                    <a:lstStyle/>
+                    <a:p>
+                      <a:pPr algn="ctr" latinLnBrk="1"/>
+                      <a:r>
+                        <a:rPr lang="en-US" altLang="ko-KR" sz="1400" dirty="0" smtClean="0">
+                          <a:solidFill>
+                            <a:schemeClr val="tx1"/>
+                          </a:solidFill>
+                        </a:rPr>
+                        <a:t>A</a:t>
+                      </a:r>
+                      <a:endParaRPr lang="ko-KR" altLang="en-US" sz="1400" dirty="0">
+                        <a:solidFill>
+                          <a:schemeClr val="tx1"/>
+                        </a:solidFill>
+                      </a:endParaRPr>
+                    </a:p>
+                  </a:txBody>
+                  <a:tcPr anchor="ctr">
+                    <a:lnL w="19050" cap="flat" cmpd="sng" algn="ctr">
+                      <a:solidFill>
+                        <a:schemeClr val="tx1"/>
+                      </a:solidFill>
+                      <a:prstDash val="solid"/>
+                      <a:round/>
+                      <a:headEnd type="none" w="med" len="med"/>
+                      <a:tailEnd type="none" w="med" len="med"/>
+                    </a:lnL>
+                    <a:lnR w="19050" cap="flat" cmpd="sng" algn="ctr">
+                      <a:solidFill>
+                        <a:schemeClr val="tx1"/>
+                      </a:solidFill>
+                      <a:prstDash val="solid"/>
+                      <a:round/>
+                      <a:headEnd type="none" w="med" len="med"/>
+                      <a:tailEnd type="none" w="med" len="med"/>
+                    </a:lnR>
+                    <a:lnT w="19050" cap="flat" cmpd="sng" algn="ctr">
+                      <a:solidFill>
+                        <a:schemeClr val="tx1"/>
+                      </a:solidFill>
+                      <a:prstDash val="solid"/>
+                      <a:round/>
+                      <a:headEnd type="none" w="med" len="med"/>
+                      <a:tailEnd type="none" w="med" len="med"/>
+                    </a:lnT>
+                    <a:lnB w="19050" cap="flat" cmpd="sng" algn="ctr">
+                      <a:solidFill>
+                        <a:schemeClr val="tx1"/>
+                      </a:solidFill>
+                      <a:prstDash val="solid"/>
+                      <a:round/>
+                      <a:headEnd type="none" w="med" len="med"/>
+                      <a:tailEnd type="none" w="med" len="med"/>
+                    </a:lnB>
+                    <a:lnTlToBr w="12700" cmpd="sng">
+                      <a:noFill/>
+                      <a:prstDash val="solid"/>
+                    </a:lnTlToBr>
+                    <a:lnBlToTr w="12700" cmpd="sng">
+                      <a:noFill/>
+                      <a:prstDash val="solid"/>
+                    </a:lnBlToTr>
+                    <a:solidFill>
+                      <a:schemeClr val="bg1"/>
+                    </a:solidFill>
+                  </a:tcPr>
+                </a:tc>
+                <a:tc>
+                  <a:txBody>
+                    <a:bodyPr/>
+                    <a:lstStyle/>
+                    <a:p>
+                      <a:pPr latinLnBrk="1"/>
+                      <a:r>
+                        <a:rPr lang="ko-KR" altLang="en-US" sz="1400" dirty="0" smtClean="0">
+                          <a:solidFill>
+                            <a:schemeClr val="tx1"/>
+                          </a:solidFill>
+                        </a:rPr>
+                        <a:t>사용가능 </a:t>
+                      </a:r>
+                      <a:r>
+                        <a:rPr lang="ko-KR" altLang="en-US" sz="1400" dirty="0" err="1" smtClean="0">
+                          <a:solidFill>
+                            <a:schemeClr val="tx1"/>
+                          </a:solidFill>
+                        </a:rPr>
+                        <a:t>소콘</a:t>
+                      </a:r>
+                      <a:r>
+                        <a:rPr lang="ko-KR" altLang="en-US" sz="1400" baseline="0" dirty="0" smtClean="0">
+                          <a:solidFill>
+                            <a:schemeClr val="tx1"/>
+                          </a:solidFill>
+                        </a:rPr>
+                        <a:t> 버튼</a:t>
+                      </a:r>
+                      <a:endParaRPr lang="en-US" altLang="ko-KR" sz="1400" baseline="0" dirty="0" smtClean="0">
+                        <a:solidFill>
+                          <a:schemeClr val="tx1"/>
+                        </a:solidFill>
+                      </a:endParaRPr>
+                    </a:p>
+                    <a:p>
+                      <a:pPr latinLnBrk="1"/>
+                      <a:r>
+                        <a:rPr lang="ko-KR" altLang="en-US" sz="1400" baseline="0" dirty="0" err="1" smtClean="0">
+                          <a:solidFill>
+                            <a:schemeClr val="tx1"/>
+                          </a:solidFill>
+                        </a:rPr>
+                        <a:t>클릭시</a:t>
+                      </a:r>
+                      <a:r>
+                        <a:rPr lang="ko-KR" altLang="en-US" sz="1400" baseline="0" dirty="0" smtClean="0">
+                          <a:solidFill>
+                            <a:schemeClr val="tx1"/>
+                          </a:solidFill>
+                        </a:rPr>
+                        <a:t> </a:t>
+                      </a:r>
+                      <a:r>
+                        <a:rPr lang="en-US" altLang="ko-KR" sz="1400" baseline="0" dirty="0" smtClean="0">
+                          <a:solidFill>
+                            <a:schemeClr val="tx1"/>
+                          </a:solidFill>
+                        </a:rPr>
+                        <a:t>QR</a:t>
+                      </a:r>
+                      <a:r>
+                        <a:rPr lang="ko-KR" altLang="en-US" sz="1400" baseline="0" dirty="0" smtClean="0">
+                          <a:solidFill>
+                            <a:schemeClr val="tx1"/>
+                          </a:solidFill>
+                        </a:rPr>
+                        <a:t>화면</a:t>
+                      </a:r>
+                      <a:r>
+                        <a:rPr lang="en-US" altLang="ko-KR" sz="1400" baseline="0" dirty="0" smtClean="0">
+                          <a:solidFill>
+                            <a:schemeClr val="tx1"/>
+                          </a:solidFill>
+                        </a:rPr>
+                        <a:t>, </a:t>
+                      </a:r>
+                      <a:r>
+                        <a:rPr lang="ko-KR" altLang="en-US" sz="1400" baseline="0" dirty="0" smtClean="0">
+                          <a:solidFill>
+                            <a:schemeClr val="tx1"/>
+                          </a:solidFill>
+                        </a:rPr>
+                        <a:t>상세 정보 제공</a:t>
+                      </a:r>
+                      <a:endParaRPr lang="ko-KR" altLang="en-US" sz="1400" dirty="0">
+                        <a:solidFill>
+                          <a:schemeClr val="tx1"/>
+                        </a:solidFill>
+                      </a:endParaRPr>
+                    </a:p>
+                  </a:txBody>
+                  <a:tcPr anchor="ctr">
+                    <a:lnL w="19050" cap="flat" cmpd="sng" algn="ctr">
+                      <a:solidFill>
+                        <a:schemeClr val="tx1"/>
+                      </a:solidFill>
+                      <a:prstDash val="solid"/>
+                      <a:round/>
+                      <a:headEnd type="none" w="med" len="med"/>
+                      <a:tailEnd type="none" w="med" len="med"/>
+                    </a:lnL>
+                    <a:lnR w="19050" cap="flat" cmpd="sng" algn="ctr">
+                      <a:solidFill>
+                        <a:schemeClr val="tx1"/>
+                      </a:solidFill>
+                      <a:prstDash val="solid"/>
+                      <a:round/>
+                      <a:headEnd type="none" w="med" len="med"/>
+                      <a:tailEnd type="none" w="med" len="med"/>
+                    </a:lnR>
+                    <a:lnT w="19050" cap="flat" cmpd="sng" algn="ctr">
+                      <a:solidFill>
+                        <a:schemeClr val="tx1"/>
+                      </a:solidFill>
+                      <a:prstDash val="solid"/>
+                      <a:round/>
+                      <a:headEnd type="none" w="med" len="med"/>
+                      <a:tailEnd type="none" w="med" len="med"/>
+                    </a:lnT>
+                    <a:lnB w="19050" cap="flat" cmpd="sng" algn="ctr">
+                      <a:solidFill>
+                        <a:schemeClr val="tx1"/>
+                      </a:solidFill>
+                      <a:prstDash val="solid"/>
+                      <a:round/>
+                      <a:headEnd type="none" w="med" len="med"/>
+                      <a:tailEnd type="none" w="med" len="med"/>
+                    </a:lnB>
+                    <a:lnTlToBr w="12700" cmpd="sng">
+                      <a:noFill/>
+                      <a:prstDash val="solid"/>
+                    </a:lnTlToBr>
+                    <a:lnBlToTr w="12700" cmpd="sng">
+                      <a:noFill/>
+                      <a:prstDash val="solid"/>
+                    </a:lnBlToTr>
+                    <a:solidFill>
+                      <a:schemeClr val="bg1"/>
+                    </a:solidFill>
+                  </a:tcPr>
+                </a:tc>
+                <a:tc>
+                  <a:txBody>
+                    <a:bodyPr/>
+                    <a:lstStyle/>
+                    <a:p>
+                      <a:pPr marL="285750" indent="-285750" latinLnBrk="1">
+                        <a:buFontTx/>
+                        <a:buChar char="-"/>
+                      </a:pPr>
+                      <a:r>
+                        <a:rPr lang="ko-KR" altLang="en-US" sz="1400" dirty="0" err="1" smtClean="0">
+                          <a:solidFill>
+                            <a:schemeClr val="tx1"/>
+                          </a:solidFill>
+                        </a:rPr>
+                        <a:t>소콘북</a:t>
+                      </a:r>
+                      <a:r>
+                        <a:rPr lang="ko-KR" altLang="en-US" sz="1400" dirty="0" smtClean="0">
+                          <a:solidFill>
+                            <a:schemeClr val="tx1"/>
+                          </a:solidFill>
+                        </a:rPr>
+                        <a:t> 스크린</a:t>
+                      </a:r>
+                      <a:endParaRPr lang="ko-KR" altLang="en-US" sz="1400" dirty="0">
+                        <a:solidFill>
+                          <a:schemeClr val="tx1"/>
+                        </a:solidFill>
+                      </a:endParaRPr>
+                    </a:p>
+                  </a:txBody>
+                  <a:tcPr anchor="ctr">
+                    <a:lnL w="19050" cap="flat" cmpd="sng" algn="ctr">
+                      <a:solidFill>
+                        <a:schemeClr val="tx1"/>
+                      </a:solidFill>
+                      <a:prstDash val="solid"/>
+                      <a:round/>
+                      <a:headEnd type="none" w="med" len="med"/>
+                      <a:tailEnd type="none" w="med" len="med"/>
+                    </a:lnL>
+                    <a:lnR w="19050" cap="flat" cmpd="sng" algn="ctr">
+                      <a:solidFill>
+                        <a:schemeClr val="tx1"/>
+                      </a:solidFill>
+                      <a:prstDash val="solid"/>
+                      <a:round/>
+                      <a:headEnd type="none" w="med" len="med"/>
+                      <a:tailEnd type="none" w="med" len="med"/>
+                    </a:lnR>
+                    <a:lnT w="19050" cap="flat" cmpd="sng" algn="ctr">
+                      <a:solidFill>
+                        <a:schemeClr val="tx1"/>
+                      </a:solidFill>
+                      <a:prstDash val="solid"/>
+                      <a:round/>
+                      <a:headEnd type="none" w="med" len="med"/>
+                      <a:tailEnd type="none" w="med" len="med"/>
+                    </a:lnT>
+                    <a:lnB w="19050" cap="flat" cmpd="sng" algn="ctr">
+                      <a:solidFill>
+                        <a:schemeClr val="tx1"/>
+                      </a:solidFill>
+                      <a:prstDash val="solid"/>
+                      <a:round/>
+                      <a:headEnd type="none" w="med" len="med"/>
+                      <a:tailEnd type="none" w="med" len="med"/>
+                    </a:lnB>
+                    <a:lnTlToBr w="12700" cmpd="sng">
+                      <a:noFill/>
+                      <a:prstDash val="solid"/>
+                    </a:lnTlToBr>
+                    <a:lnBlToTr w="12700" cmpd="sng">
+                      <a:noFill/>
+                      <a:prstDash val="solid"/>
+                    </a:lnBlToTr>
+                    <a:solidFill>
+                      <a:schemeClr val="bg1"/>
+                    </a:solidFill>
+                  </a:tcPr>
+                </a:tc>
+                <a:extLst>
+                  <a:ext uri="{0D108BD9-81ED-4DB2-BD59-A6C34878D82A}">
+                    <a16:rowId xmlns:a16="http://schemas.microsoft.com/office/drawing/2014/main" val="1180741735"/>
+                  </a:ext>
+                </a:extLst>
+              </a:tr>
+              <a:tr h="370840">
+                <a:tc>
+                  <a:txBody>
+                    <a:bodyPr/>
+                    <a:lstStyle/>
+                    <a:p>
+                      <a:pPr algn="ctr" latinLnBrk="1"/>
+                      <a:r>
+                        <a:rPr lang="en-US" altLang="ko-KR" sz="1400" dirty="0" smtClean="0">
+                          <a:solidFill>
+                            <a:schemeClr val="tx1"/>
+                          </a:solidFill>
+                        </a:rPr>
+                        <a:t>B</a:t>
+                      </a:r>
+                      <a:endParaRPr lang="ko-KR" altLang="en-US" sz="1400" dirty="0">
+                        <a:solidFill>
+                          <a:schemeClr val="tx1"/>
+                        </a:solidFill>
+                      </a:endParaRPr>
+                    </a:p>
+                  </a:txBody>
+                  <a:tcPr anchor="ctr">
+                    <a:lnL w="19050" cap="flat" cmpd="sng" algn="ctr">
+                      <a:solidFill>
+                        <a:schemeClr val="tx1"/>
+                      </a:solidFill>
+                      <a:prstDash val="solid"/>
+                      <a:round/>
+                      <a:headEnd type="none" w="med" len="med"/>
+                      <a:tailEnd type="none" w="med" len="med"/>
+                    </a:lnL>
+                    <a:lnR w="19050" cap="flat" cmpd="sng" algn="ctr">
+                      <a:solidFill>
+                        <a:schemeClr val="tx1"/>
+                      </a:solidFill>
+                      <a:prstDash val="solid"/>
+                      <a:round/>
+                      <a:headEnd type="none" w="med" len="med"/>
+                      <a:tailEnd type="none" w="med" len="med"/>
+                    </a:lnR>
+                    <a:lnT w="19050" cap="flat" cmpd="sng" algn="ctr">
+                      <a:solidFill>
+                        <a:schemeClr val="tx1"/>
+                      </a:solidFill>
+                      <a:prstDash val="solid"/>
+                      <a:round/>
+                      <a:headEnd type="none" w="med" len="med"/>
+                      <a:tailEnd type="none" w="med" len="med"/>
+                    </a:lnT>
+                    <a:lnB w="19050" cap="flat" cmpd="sng" algn="ctr">
+                      <a:solidFill>
+                        <a:schemeClr val="tx1"/>
+                      </a:solidFill>
+                      <a:prstDash val="solid"/>
+                      <a:round/>
+                      <a:headEnd type="none" w="med" len="med"/>
+                      <a:tailEnd type="none" w="med" len="med"/>
+                    </a:lnB>
+                    <a:lnTlToBr w="12700" cmpd="sng">
+                      <a:noFill/>
+                      <a:prstDash val="solid"/>
+                    </a:lnTlToBr>
+                    <a:lnBlToTr w="12700" cmpd="sng">
+                      <a:noFill/>
+                      <a:prstDash val="solid"/>
+                    </a:lnBlToTr>
+                    <a:solidFill>
+                      <a:schemeClr val="bg1"/>
+                    </a:solidFill>
+                  </a:tcPr>
+                </a:tc>
+                <a:tc>
+                  <a:txBody>
+                    <a:bodyPr/>
+                    <a:lstStyle/>
+                    <a:p>
+                      <a:pPr latinLnBrk="1"/>
+                      <a:r>
+                        <a:rPr lang="ko-KR" altLang="en-US" sz="1400" baseline="0" dirty="0" smtClean="0">
+                          <a:solidFill>
+                            <a:schemeClr val="tx1"/>
+                          </a:solidFill>
+                        </a:rPr>
+                        <a:t>교환권 저장 버튼</a:t>
+                      </a:r>
+                      <a:endParaRPr lang="en-US" altLang="ko-KR" sz="1400" baseline="0" dirty="0" smtClean="0">
+                        <a:solidFill>
+                          <a:schemeClr val="tx1"/>
+                        </a:solidFill>
+                      </a:endParaRPr>
+                    </a:p>
+                    <a:p>
+                      <a:pPr latinLnBrk="1"/>
+                      <a:r>
+                        <a:rPr lang="ko-KR" altLang="en-US" sz="1400" baseline="0" dirty="0" smtClean="0">
+                          <a:solidFill>
+                            <a:schemeClr val="tx1"/>
+                          </a:solidFill>
+                        </a:rPr>
+                        <a:t>버튼 </a:t>
+                      </a:r>
+                      <a:r>
+                        <a:rPr lang="ko-KR" altLang="en-US" sz="1400" baseline="0" dirty="0" err="1" smtClean="0">
+                          <a:solidFill>
+                            <a:schemeClr val="tx1"/>
+                          </a:solidFill>
+                        </a:rPr>
+                        <a:t>클릭시</a:t>
+                      </a:r>
+                      <a:r>
+                        <a:rPr lang="ko-KR" altLang="en-US" sz="1400" baseline="0" dirty="0" smtClean="0">
+                          <a:solidFill>
+                            <a:schemeClr val="tx1"/>
+                          </a:solidFill>
+                        </a:rPr>
+                        <a:t> </a:t>
+                      </a:r>
+                      <a:r>
+                        <a:rPr lang="en-US" altLang="ko-KR" sz="1400" baseline="0" dirty="0" smtClean="0">
+                          <a:solidFill>
+                            <a:schemeClr val="tx1"/>
+                          </a:solidFill>
+                        </a:rPr>
+                        <a:t>QR </a:t>
+                      </a:r>
+                      <a:r>
+                        <a:rPr lang="ko-KR" altLang="en-US" sz="1400" baseline="0" dirty="0" smtClean="0">
+                          <a:solidFill>
+                            <a:schemeClr val="tx1"/>
+                          </a:solidFill>
+                        </a:rPr>
+                        <a:t>이미지 저장</a:t>
+                      </a:r>
+                      <a:endParaRPr lang="en-US" altLang="ko-KR" sz="1400" baseline="0" dirty="0" smtClean="0">
+                        <a:solidFill>
+                          <a:schemeClr val="tx1"/>
+                        </a:solidFill>
+                      </a:endParaRPr>
+                    </a:p>
+                  </a:txBody>
+                  <a:tcPr anchor="ctr">
+                    <a:lnL w="19050" cap="flat" cmpd="sng" algn="ctr">
+                      <a:solidFill>
+                        <a:schemeClr val="tx1"/>
+                      </a:solidFill>
+                      <a:prstDash val="solid"/>
+                      <a:round/>
+                      <a:headEnd type="none" w="med" len="med"/>
+                      <a:tailEnd type="none" w="med" len="med"/>
+                    </a:lnL>
+                    <a:lnR w="19050" cap="flat" cmpd="sng" algn="ctr">
+                      <a:solidFill>
+                        <a:schemeClr val="tx1"/>
+                      </a:solidFill>
+                      <a:prstDash val="solid"/>
+                      <a:round/>
+                      <a:headEnd type="none" w="med" len="med"/>
+                      <a:tailEnd type="none" w="med" len="med"/>
+                    </a:lnR>
+                    <a:lnT w="19050" cap="flat" cmpd="sng" algn="ctr">
+                      <a:solidFill>
+                        <a:schemeClr val="tx1"/>
+                      </a:solidFill>
+                      <a:prstDash val="solid"/>
+                      <a:round/>
+                      <a:headEnd type="none" w="med" len="med"/>
+                      <a:tailEnd type="none" w="med" len="med"/>
+                    </a:lnT>
+                    <a:lnB w="19050" cap="flat" cmpd="sng" algn="ctr">
+                      <a:solidFill>
+                        <a:schemeClr val="tx1"/>
+                      </a:solidFill>
+                      <a:prstDash val="solid"/>
+                      <a:round/>
+                      <a:headEnd type="none" w="med" len="med"/>
+                      <a:tailEnd type="none" w="med" len="med"/>
+                    </a:lnB>
+                    <a:lnTlToBr w="12700" cmpd="sng">
+                      <a:noFill/>
+                      <a:prstDash val="solid"/>
+                    </a:lnTlToBr>
+                    <a:lnBlToTr w="12700" cmpd="sng">
+                      <a:noFill/>
+                      <a:prstDash val="solid"/>
+                    </a:lnBlToTr>
+                    <a:solidFill>
+                      <a:schemeClr val="bg1"/>
+                    </a:solidFill>
+                  </a:tcPr>
+                </a:tc>
+                <a:tc>
+                  <a:txBody>
+                    <a:bodyPr/>
+                    <a:lstStyle/>
+                    <a:p>
+                      <a:pPr marL="285750" indent="-285750" latinLnBrk="1">
+                        <a:buFontTx/>
+                        <a:buChar char="-"/>
+                      </a:pPr>
+                      <a:r>
+                        <a:rPr lang="ko-KR" altLang="en-US" sz="1400" dirty="0" err="1" smtClean="0">
+                          <a:solidFill>
+                            <a:schemeClr val="tx1"/>
+                          </a:solidFill>
+                        </a:rPr>
+                        <a:t>소콘북</a:t>
+                      </a:r>
+                      <a:r>
+                        <a:rPr lang="ko-KR" altLang="en-US" sz="1400" dirty="0" smtClean="0">
+                          <a:solidFill>
+                            <a:schemeClr val="tx1"/>
+                          </a:solidFill>
+                        </a:rPr>
+                        <a:t> 스크린</a:t>
+                      </a:r>
+                      <a:endParaRPr lang="ko-KR" altLang="en-US" sz="1400" dirty="0">
+                        <a:solidFill>
+                          <a:schemeClr val="tx1"/>
+                        </a:solidFill>
+                      </a:endParaRPr>
+                    </a:p>
+                  </a:txBody>
+                  <a:tcPr anchor="ctr">
+                    <a:lnL w="19050" cap="flat" cmpd="sng" algn="ctr">
+                      <a:solidFill>
+                        <a:schemeClr val="tx1"/>
+                      </a:solidFill>
+                      <a:prstDash val="solid"/>
+                      <a:round/>
+                      <a:headEnd type="none" w="med" len="med"/>
+                      <a:tailEnd type="none" w="med" len="med"/>
+                    </a:lnL>
+                    <a:lnR w="19050" cap="flat" cmpd="sng" algn="ctr">
+                      <a:solidFill>
+                        <a:schemeClr val="tx1"/>
+                      </a:solidFill>
+                      <a:prstDash val="solid"/>
+                      <a:round/>
+                      <a:headEnd type="none" w="med" len="med"/>
+                      <a:tailEnd type="none" w="med" len="med"/>
+                    </a:lnR>
+                    <a:lnT w="19050" cap="flat" cmpd="sng" algn="ctr">
+                      <a:solidFill>
+                        <a:schemeClr val="tx1"/>
+                      </a:solidFill>
+                      <a:prstDash val="solid"/>
+                      <a:round/>
+                      <a:headEnd type="none" w="med" len="med"/>
+                      <a:tailEnd type="none" w="med" len="med"/>
+                    </a:lnT>
+                    <a:lnB w="19050" cap="flat" cmpd="sng" algn="ctr">
+                      <a:solidFill>
+                        <a:schemeClr val="tx1"/>
+                      </a:solidFill>
+                      <a:prstDash val="solid"/>
+                      <a:round/>
+                      <a:headEnd type="none" w="med" len="med"/>
+                      <a:tailEnd type="none" w="med" len="med"/>
+                    </a:lnB>
+                    <a:lnTlToBr w="12700" cmpd="sng">
+                      <a:noFill/>
+                      <a:prstDash val="solid"/>
+                    </a:lnTlToBr>
+                    <a:lnBlToTr w="12700" cmpd="sng">
+                      <a:noFill/>
+                      <a:prstDash val="solid"/>
+                    </a:lnBlToTr>
+                    <a:solidFill>
+                      <a:schemeClr val="bg1"/>
+                    </a:solidFill>
+                  </a:tcPr>
+                </a:tc>
+                <a:extLst>
+                  <a:ext uri="{0D108BD9-81ED-4DB2-BD59-A6C34878D82A}">
+                    <a16:rowId xmlns:a16="http://schemas.microsoft.com/office/drawing/2014/main" val="1109920553"/>
+                  </a:ext>
+                </a:extLst>
+              </a:tr>
+            </a:tbl>
+          </a:graphicData>
+        </a:graphic>
+      </p:graphicFrame>
+      <p:graphicFrame>
+        <p:nvGraphicFramePr>
+          <p:cNvPr id="5" name="표 4"/>
+          <p:cNvGraphicFramePr>
+            <a:graphicFrameLocks noGrp="1"/>
+          </p:cNvGraphicFramePr>
+          <p:nvPr>
+            <p:extLst>
+              <p:ext uri="{D42A27DB-BD31-4B8C-83A1-F6EECF244321}">
+                <p14:modId xmlns:p14="http://schemas.microsoft.com/office/powerpoint/2010/main" val="2024207470"/>
+              </p:ext>
+            </p:extLst>
+          </p:nvPr>
+        </p:nvGraphicFramePr>
+        <p:xfrm>
+          <a:off x="6257171" y="2501842"/>
+          <a:ext cx="5779498" cy="2651760"/>
+        </p:xfrm>
+        <a:graphic>
+          <a:graphicData uri="http://schemas.openxmlformats.org/drawingml/2006/table">
+            <a:tbl>
+              <a:tblPr firstRow="1" bandRow="1">
+                <a:tableStyleId>{5C22544A-7EE6-4342-B048-85BDC9FD1C3A}</a:tableStyleId>
+              </a:tblPr>
+              <a:tblGrid>
+                <a:gridCol w="874546">
+                  <a:extLst>
+                    <a:ext uri="{9D8B030D-6E8A-4147-A177-3AD203B41FA5}">
+                      <a16:colId xmlns:a16="http://schemas.microsoft.com/office/drawing/2014/main" val="1059712960"/>
+                    </a:ext>
+                  </a:extLst>
+                </a:gridCol>
+                <a:gridCol w="2978452">
+                  <a:extLst>
+                    <a:ext uri="{9D8B030D-6E8A-4147-A177-3AD203B41FA5}">
+                      <a16:colId xmlns:a16="http://schemas.microsoft.com/office/drawing/2014/main" val="164122230"/>
+                    </a:ext>
+                  </a:extLst>
+                </a:gridCol>
+                <a:gridCol w="1926500">
+                  <a:extLst>
+                    <a:ext uri="{9D8B030D-6E8A-4147-A177-3AD203B41FA5}">
+                      <a16:colId xmlns:a16="http://schemas.microsoft.com/office/drawing/2014/main" val="4184051919"/>
+                    </a:ext>
+                  </a:extLst>
+                </a:gridCol>
+              </a:tblGrid>
+              <a:tr h="0">
+                <a:tc gridSpan="3">
+                  <a:txBody>
+                    <a:bodyPr/>
+                    <a:lstStyle/>
+                    <a:p>
+                      <a:pPr latinLnBrk="1"/>
+                      <a:r>
+                        <a:rPr lang="en-US" altLang="ko-KR" dirty="0" smtClean="0">
+                          <a:solidFill>
+                            <a:schemeClr val="bg1"/>
+                          </a:solidFill>
+                        </a:rPr>
+                        <a:t>Information</a:t>
+                      </a:r>
+                      <a:endParaRPr lang="ko-KR" altLang="en-US" dirty="0">
+                        <a:solidFill>
+                          <a:schemeClr val="bg1"/>
+                        </a:solidFill>
+                      </a:endParaRPr>
+                    </a:p>
+                  </a:txBody>
+                  <a:tcPr>
+                    <a:lnL w="19050" cap="flat" cmpd="sng" algn="ctr">
+                      <a:solidFill>
+                        <a:schemeClr val="tx1"/>
+                      </a:solidFill>
+                      <a:prstDash val="solid"/>
+                      <a:round/>
+                      <a:headEnd type="none" w="med" len="med"/>
+                      <a:tailEnd type="none" w="med" len="med"/>
+                    </a:lnL>
+                    <a:lnR w="19050" cap="flat" cmpd="sng" algn="ctr">
+                      <a:solidFill>
+                        <a:schemeClr val="tx1"/>
+                      </a:solidFill>
+                      <a:prstDash val="solid"/>
+                      <a:round/>
+                      <a:headEnd type="none" w="med" len="med"/>
+                      <a:tailEnd type="none" w="med" len="med"/>
+                    </a:lnR>
+                    <a:lnT w="19050" cap="flat" cmpd="sng" algn="ctr">
+                      <a:solidFill>
+                        <a:schemeClr val="tx1"/>
+                      </a:solidFill>
+                      <a:prstDash val="solid"/>
+                      <a:round/>
+                      <a:headEnd type="none" w="med" len="med"/>
+                      <a:tailEnd type="none" w="med" len="med"/>
+                    </a:lnT>
+                    <a:lnB w="19050" cap="flat" cmpd="sng" algn="ctr">
+                      <a:solidFill>
+                        <a:schemeClr val="bg1"/>
+                      </a:solidFill>
+                      <a:prstDash val="solid"/>
+                      <a:round/>
+                      <a:headEnd type="none" w="med" len="med"/>
+                      <a:tailEnd type="none" w="med" len="med"/>
+                    </a:lnB>
+                    <a:lnTlToBr w="12700" cmpd="sng">
+                      <a:noFill/>
+                      <a:prstDash val="solid"/>
+                    </a:lnTlToBr>
+                    <a:lnBlToTr w="12700" cmpd="sng">
+                      <a:noFill/>
+                      <a:prstDash val="solid"/>
+                    </a:lnBlToTr>
+                    <a:solidFill>
+                      <a:schemeClr val="tx1"/>
+                    </a:solidFill>
+                  </a:tcPr>
+                </a:tc>
+                <a:tc hMerge="1">
+                  <a:txBody>
+                    <a:bodyPr/>
+                    <a:lstStyle/>
+                    <a:p>
+                      <a:pPr latinLnBrk="1"/>
+                      <a:endParaRPr lang="ko-KR" altLang="en-US" dirty="0"/>
+                    </a:p>
+                  </a:txBody>
+                  <a:tcPr/>
+                </a:tc>
+                <a:tc hMerge="1">
+                  <a:txBody>
+                    <a:bodyPr/>
+                    <a:lstStyle/>
+                    <a:p>
+                      <a:pPr latinLnBrk="1"/>
+                      <a:endParaRPr lang="ko-KR" altLang="en-US" dirty="0">
+                        <a:solidFill>
+                          <a:schemeClr val="bg1"/>
+                        </a:solidFill>
+                      </a:endParaRPr>
+                    </a:p>
+                  </a:txBody>
+                  <a:tcPr>
+                    <a:lnL w="12700" cap="flat" cmpd="sng" algn="ctr">
+                      <a:solidFill>
+                        <a:schemeClr val="tx1"/>
+                      </a:solidFill>
+                      <a:prstDash val="solid"/>
+                      <a:round/>
+                      <a:headEnd type="none" w="med" len="med"/>
+                      <a:tailEnd type="none" w="med" len="med"/>
+                    </a:lnL>
+                    <a:lnR w="12700" cap="flat" cmpd="sng" algn="ctr">
+                      <a:solidFill>
+                        <a:schemeClr val="tx1"/>
+                      </a:solidFill>
+                      <a:prstDash val="solid"/>
+                      <a:round/>
+                      <a:headEnd type="none" w="med" len="med"/>
+                      <a:tailEnd type="none" w="med" len="med"/>
+                    </a:lnR>
+                    <a:lnT w="12700" cap="flat" cmpd="sng" algn="ctr">
+                      <a:solidFill>
+                        <a:schemeClr val="tx1"/>
+                      </a:solidFill>
+                      <a:prstDash val="solid"/>
+                      <a:round/>
+                      <a:headEnd type="none" w="med" len="med"/>
+                      <a:tailEnd type="none" w="med" len="med"/>
+                    </a:lnT>
+                    <a:lnB w="12700" cap="flat" cmpd="sng" algn="ctr">
+                      <a:solidFill>
+                        <a:schemeClr val="tx1"/>
+                      </a:solidFill>
+                      <a:prstDash val="solid"/>
+                      <a:round/>
+                      <a:headEnd type="none" w="med" len="med"/>
+                      <a:tailEnd type="none" w="med" len="med"/>
+                    </a:lnB>
+                    <a:lnTlToBr w="12700" cmpd="sng">
+                      <a:noFill/>
+                      <a:prstDash val="solid"/>
+                    </a:lnTlToBr>
+                    <a:lnBlToTr w="12700" cmpd="sng">
+                      <a:noFill/>
+                      <a:prstDash val="solid"/>
+                    </a:lnBlToTr>
+                    <a:solidFill>
+                      <a:schemeClr val="tx1"/>
+                    </a:solidFill>
+                  </a:tcPr>
+                </a:tc>
+                <a:extLst>
+                  <a:ext uri="{0D108BD9-81ED-4DB2-BD59-A6C34878D82A}">
+                    <a16:rowId xmlns:a16="http://schemas.microsoft.com/office/drawing/2014/main" val="1522054024"/>
+                  </a:ext>
+                </a:extLst>
+              </a:tr>
+              <a:tr h="370840">
+                <a:tc>
+                  <a:txBody>
+                    <a:bodyPr/>
+                    <a:lstStyle/>
+                    <a:p>
+                      <a:pPr algn="ctr" latinLnBrk="1"/>
+                      <a:r>
+                        <a:rPr lang="en-US" altLang="ko-KR" sz="1400" dirty="0" smtClean="0">
+                          <a:solidFill>
+                            <a:schemeClr val="bg1"/>
+                          </a:solidFill>
+                        </a:rPr>
+                        <a:t>No</a:t>
+                      </a:r>
+                      <a:endParaRPr lang="ko-KR" altLang="en-US" sz="1400" dirty="0">
+                        <a:solidFill>
+                          <a:schemeClr val="bg1"/>
+                        </a:solidFill>
+                      </a:endParaRPr>
+                    </a:p>
+                  </a:txBody>
+                  <a:tcPr anchor="ctr">
+                    <a:lnL w="19050" cap="flat" cmpd="sng" algn="ctr">
+                      <a:solidFill>
+                        <a:schemeClr val="tx1"/>
+                      </a:solidFill>
+                      <a:prstDash val="solid"/>
+                      <a:round/>
+                      <a:headEnd type="none" w="med" len="med"/>
+                      <a:tailEnd type="none" w="med" len="med"/>
+                    </a:lnL>
+                    <a:lnR w="19050" cap="flat" cmpd="sng" algn="ctr">
+                      <a:solidFill>
+                        <a:schemeClr val="bg1"/>
+                      </a:solidFill>
+                      <a:prstDash val="solid"/>
+                      <a:round/>
+                      <a:headEnd type="none" w="med" len="med"/>
+                      <a:tailEnd type="none" w="med" len="med"/>
+                    </a:lnR>
+                    <a:lnT w="19050" cap="flat" cmpd="sng" algn="ctr">
+                      <a:solidFill>
+                        <a:schemeClr val="bg1"/>
+                      </a:solidFill>
+                      <a:prstDash val="solid"/>
+                      <a:round/>
+                      <a:headEnd type="none" w="med" len="med"/>
+                      <a:tailEnd type="none" w="med" len="med"/>
+                    </a:lnT>
+                    <a:lnB w="19050" cap="flat" cmpd="sng" algn="ctr">
+                      <a:solidFill>
+                        <a:schemeClr val="tx1"/>
+                      </a:solidFill>
+                      <a:prstDash val="solid"/>
+                      <a:round/>
+                      <a:headEnd type="none" w="med" len="med"/>
+                      <a:tailEnd type="none" w="med" len="med"/>
+                    </a:lnB>
+                    <a:lnTlToBr w="12700" cmpd="sng">
+                      <a:noFill/>
+                      <a:prstDash val="solid"/>
+                    </a:lnTlToBr>
+                    <a:lnBlToTr w="12700" cmpd="sng">
+                      <a:noFill/>
+                      <a:prstDash val="solid"/>
+                    </a:lnBlToTr>
+                    <a:solidFill>
+                      <a:schemeClr val="tx1"/>
+                    </a:solidFill>
+                  </a:tcPr>
+                </a:tc>
+                <a:tc>
+                  <a:txBody>
+                    <a:bodyPr/>
+                    <a:lstStyle/>
+                    <a:p>
+                      <a:pPr algn="ctr" latinLnBrk="1"/>
+                      <a:r>
+                        <a:rPr lang="en-US" altLang="ko-KR" sz="1400" dirty="0" smtClean="0">
+                          <a:solidFill>
+                            <a:schemeClr val="bg1"/>
+                          </a:solidFill>
+                        </a:rPr>
+                        <a:t>Description</a:t>
+                      </a:r>
+                      <a:endParaRPr lang="ko-KR" altLang="en-US" sz="1400" dirty="0">
+                        <a:solidFill>
+                          <a:schemeClr val="bg1"/>
+                        </a:solidFill>
+                      </a:endParaRPr>
+                    </a:p>
+                  </a:txBody>
+                  <a:tcPr anchor="ctr">
+                    <a:lnL w="19050" cap="flat" cmpd="sng" algn="ctr">
+                      <a:solidFill>
+                        <a:schemeClr val="bg1"/>
+                      </a:solidFill>
+                      <a:prstDash val="solid"/>
+                      <a:round/>
+                      <a:headEnd type="none" w="med" len="med"/>
+                      <a:tailEnd type="none" w="med" len="med"/>
+                    </a:lnL>
+                    <a:lnR w="19050" cap="flat" cmpd="sng" algn="ctr">
+                      <a:solidFill>
+                        <a:schemeClr val="bg1"/>
+                      </a:solidFill>
+                      <a:prstDash val="solid"/>
+                      <a:round/>
+                      <a:headEnd type="none" w="med" len="med"/>
+                      <a:tailEnd type="none" w="med" len="med"/>
+                    </a:lnR>
+                    <a:lnT w="19050" cap="flat" cmpd="sng" algn="ctr">
+                      <a:solidFill>
+                        <a:schemeClr val="bg1"/>
+                      </a:solidFill>
+                      <a:prstDash val="solid"/>
+                      <a:round/>
+                      <a:headEnd type="none" w="med" len="med"/>
+                      <a:tailEnd type="none" w="med" len="med"/>
+                    </a:lnT>
+                    <a:lnB w="19050" cap="flat" cmpd="sng" algn="ctr">
+                      <a:solidFill>
+                        <a:schemeClr val="tx1"/>
+                      </a:solidFill>
+                      <a:prstDash val="solid"/>
+                      <a:round/>
+                      <a:headEnd type="none" w="med" len="med"/>
+                      <a:tailEnd type="none" w="med" len="med"/>
+                    </a:lnB>
+                    <a:lnTlToBr w="12700" cmpd="sng">
+                      <a:noFill/>
+                      <a:prstDash val="solid"/>
+                    </a:lnTlToBr>
+                    <a:lnBlToTr w="12700" cmpd="sng">
+                      <a:noFill/>
+                      <a:prstDash val="solid"/>
+                    </a:lnBlToTr>
+                    <a:solidFill>
+                      <a:schemeClr val="tx1"/>
+                    </a:solidFill>
+                  </a:tcPr>
+                </a:tc>
+                <a:tc>
+                  <a:txBody>
+                    <a:bodyPr/>
+                    <a:lstStyle/>
+                    <a:p>
+                      <a:pPr algn="ctr" latinLnBrk="1"/>
+                      <a:r>
+                        <a:rPr lang="en-US" altLang="ko-KR" sz="1400" dirty="0" smtClean="0">
+                          <a:solidFill>
+                            <a:schemeClr val="bg1"/>
+                          </a:solidFill>
+                        </a:rPr>
+                        <a:t>Display</a:t>
+                      </a:r>
+                    </a:p>
+                    <a:p>
+                      <a:pPr algn="ctr" latinLnBrk="1"/>
+                      <a:r>
+                        <a:rPr lang="en-US" altLang="ko-KR" sz="1400" dirty="0" smtClean="0">
+                          <a:solidFill>
+                            <a:schemeClr val="bg1"/>
+                          </a:solidFill>
+                        </a:rPr>
+                        <a:t>Condition</a:t>
+                      </a:r>
+                      <a:endParaRPr lang="ko-KR" altLang="en-US" sz="1400" dirty="0">
+                        <a:solidFill>
+                          <a:schemeClr val="bg1"/>
+                        </a:solidFill>
+                      </a:endParaRPr>
+                    </a:p>
+                  </a:txBody>
+                  <a:tcPr anchor="ctr">
+                    <a:lnL w="19050" cap="flat" cmpd="sng" algn="ctr">
+                      <a:solidFill>
+                        <a:schemeClr val="bg1"/>
+                      </a:solidFill>
+                      <a:prstDash val="solid"/>
+                      <a:round/>
+                      <a:headEnd type="none" w="med" len="med"/>
+                      <a:tailEnd type="none" w="med" len="med"/>
+                    </a:lnL>
+                    <a:lnR w="19050" cap="flat" cmpd="sng" algn="ctr">
+                      <a:solidFill>
+                        <a:schemeClr val="tx1"/>
+                      </a:solidFill>
+                      <a:prstDash val="solid"/>
+                      <a:round/>
+                      <a:headEnd type="none" w="med" len="med"/>
+                      <a:tailEnd type="none" w="med" len="med"/>
+                    </a:lnR>
+                    <a:lnT w="19050" cap="flat" cmpd="sng" algn="ctr">
+                      <a:solidFill>
+                        <a:schemeClr val="bg1"/>
+                      </a:solidFill>
+                      <a:prstDash val="solid"/>
+                      <a:round/>
+                      <a:headEnd type="none" w="med" len="med"/>
+                      <a:tailEnd type="none" w="med" len="med"/>
+                    </a:lnT>
+                    <a:lnB w="19050" cap="flat" cmpd="sng" algn="ctr">
+                      <a:solidFill>
+                        <a:schemeClr val="tx1"/>
+                      </a:solidFill>
+                      <a:prstDash val="solid"/>
+                      <a:round/>
+                      <a:headEnd type="none" w="med" len="med"/>
+                      <a:tailEnd type="none" w="med" len="med"/>
+                    </a:lnB>
+                    <a:lnTlToBr w="12700" cmpd="sng">
+                      <a:noFill/>
+                      <a:prstDash val="solid"/>
+                    </a:lnTlToBr>
+                    <a:lnBlToTr w="12700" cmpd="sng">
+                      <a:noFill/>
+                      <a:prstDash val="solid"/>
+                    </a:lnBlToTr>
+                    <a:solidFill>
+                      <a:schemeClr val="tx1"/>
+                    </a:solidFill>
+                  </a:tcPr>
+                </a:tc>
+                <a:extLst>
+                  <a:ext uri="{0D108BD9-81ED-4DB2-BD59-A6C34878D82A}">
+                    <a16:rowId xmlns:a16="http://schemas.microsoft.com/office/drawing/2014/main" val="673459664"/>
+                  </a:ext>
+                </a:extLst>
+              </a:tr>
+              <a:tr h="185420">
+                <a:tc>
+                  <a:txBody>
+                    <a:bodyPr/>
+                    <a:lstStyle/>
+                    <a:p>
+                      <a:pPr algn="ctr" latinLnBrk="1"/>
+                      <a:r>
+                        <a:rPr lang="en-US" altLang="ko-KR" sz="1400" dirty="0" smtClean="0">
+                          <a:solidFill>
+                            <a:schemeClr val="tx1"/>
+                          </a:solidFill>
+                        </a:rPr>
+                        <a:t>1</a:t>
+                      </a:r>
+                      <a:endParaRPr lang="ko-KR" altLang="en-US" sz="1400" dirty="0">
+                        <a:solidFill>
+                          <a:schemeClr val="tx1"/>
+                        </a:solidFill>
+                      </a:endParaRPr>
+                    </a:p>
+                  </a:txBody>
+                  <a:tcPr anchor="ctr">
+                    <a:lnL w="19050" cap="flat" cmpd="sng" algn="ctr">
+                      <a:solidFill>
+                        <a:schemeClr val="tx1"/>
+                      </a:solidFill>
+                      <a:prstDash val="solid"/>
+                      <a:round/>
+                      <a:headEnd type="none" w="med" len="med"/>
+                      <a:tailEnd type="none" w="med" len="med"/>
+                    </a:lnL>
+                    <a:lnR w="19050" cap="flat" cmpd="sng" algn="ctr">
+                      <a:solidFill>
+                        <a:schemeClr val="tx1"/>
+                      </a:solidFill>
+                      <a:prstDash val="solid"/>
+                      <a:round/>
+                      <a:headEnd type="none" w="med" len="med"/>
+                      <a:tailEnd type="none" w="med" len="med"/>
+                    </a:lnR>
+                    <a:lnT w="19050" cap="flat" cmpd="sng" algn="ctr">
+                      <a:solidFill>
+                        <a:schemeClr val="tx1"/>
+                      </a:solidFill>
+                      <a:prstDash val="solid"/>
+                      <a:round/>
+                      <a:headEnd type="none" w="med" len="med"/>
+                      <a:tailEnd type="none" w="med" len="med"/>
+                    </a:lnT>
+                    <a:lnB w="19050" cap="flat" cmpd="sng" algn="ctr">
+                      <a:solidFill>
+                        <a:schemeClr val="tx1"/>
+                      </a:solidFill>
+                      <a:prstDash val="solid"/>
+                      <a:round/>
+                      <a:headEnd type="none" w="med" len="med"/>
+                      <a:tailEnd type="none" w="med" len="med"/>
+                    </a:lnB>
+                    <a:lnTlToBr w="12700" cmpd="sng">
+                      <a:noFill/>
+                      <a:prstDash val="solid"/>
+                    </a:lnTlToBr>
+                    <a:lnBlToTr w="12700" cmpd="sng">
+                      <a:noFill/>
+                      <a:prstDash val="solid"/>
+                    </a:lnBlToTr>
+                    <a:solidFill>
+                      <a:schemeClr val="bg1"/>
+                    </a:solidFill>
+                  </a:tcPr>
+                </a:tc>
+                <a:tc>
+                  <a:txBody>
+                    <a:bodyPr/>
+                    <a:lstStyle/>
+                    <a:p>
+                      <a:pPr latinLnBrk="1"/>
+                      <a:r>
+                        <a:rPr lang="ko-KR" altLang="en-US" sz="1400" dirty="0" smtClean="0">
+                          <a:solidFill>
+                            <a:schemeClr val="tx1"/>
+                          </a:solidFill>
+                        </a:rPr>
+                        <a:t>선택한 </a:t>
+                      </a:r>
+                      <a:r>
+                        <a:rPr lang="ko-KR" altLang="en-US" sz="1400" dirty="0" err="1" smtClean="0">
+                          <a:solidFill>
+                            <a:schemeClr val="tx1"/>
+                          </a:solidFill>
+                        </a:rPr>
+                        <a:t>소콘</a:t>
+                      </a:r>
+                      <a:r>
+                        <a:rPr lang="ko-KR" altLang="en-US" sz="1400" baseline="0" dirty="0" smtClean="0">
+                          <a:solidFill>
+                            <a:schemeClr val="tx1"/>
+                          </a:solidFill>
+                        </a:rPr>
+                        <a:t> </a:t>
+                      </a:r>
+                      <a:r>
+                        <a:rPr lang="en-US" altLang="ko-KR" sz="1400" baseline="0" dirty="0" smtClean="0">
+                          <a:solidFill>
+                            <a:schemeClr val="tx1"/>
+                          </a:solidFill>
+                        </a:rPr>
+                        <a:t>QR</a:t>
+                      </a:r>
+                      <a:r>
+                        <a:rPr lang="ko-KR" altLang="en-US" sz="1400" baseline="0" dirty="0" smtClean="0">
+                          <a:solidFill>
+                            <a:schemeClr val="tx1"/>
+                          </a:solidFill>
+                        </a:rPr>
+                        <a:t>과 상품명</a:t>
+                      </a:r>
+                      <a:r>
+                        <a:rPr lang="en-US" altLang="ko-KR" sz="1400" baseline="0" dirty="0" smtClean="0">
+                          <a:solidFill>
+                            <a:schemeClr val="tx1"/>
+                          </a:solidFill>
+                        </a:rPr>
+                        <a:t>, </a:t>
+                      </a:r>
+                      <a:r>
+                        <a:rPr lang="ko-KR" altLang="en-US" sz="1400" baseline="0" dirty="0" smtClean="0">
+                          <a:solidFill>
+                            <a:schemeClr val="tx1"/>
+                          </a:solidFill>
+                        </a:rPr>
+                        <a:t>가게정보구매일</a:t>
+                      </a:r>
+                      <a:r>
+                        <a:rPr lang="en-US" altLang="ko-KR" sz="1400" baseline="0" dirty="0" smtClean="0">
+                          <a:solidFill>
+                            <a:schemeClr val="tx1"/>
+                          </a:solidFill>
+                        </a:rPr>
+                        <a:t>,</a:t>
+                      </a:r>
+                      <a:r>
+                        <a:rPr lang="ko-KR" altLang="en-US" sz="1400" baseline="0" dirty="0" smtClean="0">
+                          <a:solidFill>
+                            <a:schemeClr val="tx1"/>
+                          </a:solidFill>
+                        </a:rPr>
+                        <a:t>유효기간</a:t>
+                      </a:r>
+                      <a:r>
+                        <a:rPr lang="en-US" altLang="ko-KR" sz="1400" baseline="0" dirty="0" smtClean="0">
+                          <a:solidFill>
+                            <a:schemeClr val="tx1"/>
+                          </a:solidFill>
+                        </a:rPr>
+                        <a:t>, </a:t>
+                      </a:r>
+                      <a:r>
+                        <a:rPr lang="ko-KR" altLang="en-US" sz="1400" baseline="0" dirty="0" smtClean="0">
+                          <a:solidFill>
+                            <a:schemeClr val="tx1"/>
+                          </a:solidFill>
+                        </a:rPr>
+                        <a:t>사용처 정보 제공</a:t>
+                      </a:r>
+                      <a:endParaRPr lang="ko-KR" altLang="en-US" sz="1400" dirty="0">
+                        <a:solidFill>
+                          <a:schemeClr val="tx1"/>
+                        </a:solidFill>
+                      </a:endParaRPr>
+                    </a:p>
+                  </a:txBody>
+                  <a:tcPr anchor="ctr">
+                    <a:lnL w="19050" cap="flat" cmpd="sng" algn="ctr">
+                      <a:solidFill>
+                        <a:schemeClr val="tx1"/>
+                      </a:solidFill>
+                      <a:prstDash val="solid"/>
+                      <a:round/>
+                      <a:headEnd type="none" w="med" len="med"/>
+                      <a:tailEnd type="none" w="med" len="med"/>
+                    </a:lnL>
+                    <a:lnR w="19050" cap="flat" cmpd="sng" algn="ctr">
+                      <a:solidFill>
+                        <a:schemeClr val="tx1"/>
+                      </a:solidFill>
+                      <a:prstDash val="solid"/>
+                      <a:round/>
+                      <a:headEnd type="none" w="med" len="med"/>
+                      <a:tailEnd type="none" w="med" len="med"/>
+                    </a:lnR>
+                    <a:lnT w="19050" cap="flat" cmpd="sng" algn="ctr">
+                      <a:solidFill>
+                        <a:schemeClr val="tx1"/>
+                      </a:solidFill>
+                      <a:prstDash val="solid"/>
+                      <a:round/>
+                      <a:headEnd type="none" w="med" len="med"/>
+                      <a:tailEnd type="none" w="med" len="med"/>
+                    </a:lnT>
+                    <a:lnB w="19050" cap="flat" cmpd="sng" algn="ctr">
+                      <a:solidFill>
+                        <a:schemeClr val="tx1"/>
+                      </a:solidFill>
+                      <a:prstDash val="solid"/>
+                      <a:round/>
+                      <a:headEnd type="none" w="med" len="med"/>
+                      <a:tailEnd type="none" w="med" len="med"/>
+                    </a:lnB>
+                    <a:lnTlToBr w="12700" cmpd="sng">
+                      <a:noFill/>
+                      <a:prstDash val="solid"/>
+                    </a:lnTlToBr>
+                    <a:lnBlToTr w="12700" cmpd="sng">
+                      <a:noFill/>
+                      <a:prstDash val="solid"/>
+                    </a:lnBlToTr>
+                    <a:solidFill>
+                      <a:schemeClr val="bg1"/>
+                    </a:solidFill>
+                  </a:tcPr>
+                </a:tc>
+                <a:tc>
+                  <a:txBody>
+                    <a:bodyPr/>
+                    <a:lstStyle/>
+                    <a:p>
+                      <a:pPr latinLnBrk="1"/>
+                      <a:r>
+                        <a:rPr lang="en-US" altLang="ko-KR" sz="1400" dirty="0" smtClean="0">
+                          <a:solidFill>
+                            <a:schemeClr val="tx1"/>
+                          </a:solidFill>
+                        </a:rPr>
+                        <a:t>-</a:t>
+                      </a:r>
+                      <a:r>
+                        <a:rPr lang="en-US" altLang="ko-KR" sz="1400" baseline="0" dirty="0" smtClean="0">
+                          <a:solidFill>
+                            <a:schemeClr val="tx1"/>
+                          </a:solidFill>
+                        </a:rPr>
+                        <a:t> </a:t>
+                      </a:r>
+                      <a:r>
+                        <a:rPr lang="ko-KR" altLang="en-US" sz="1400" baseline="0" dirty="0" smtClean="0">
+                          <a:solidFill>
+                            <a:schemeClr val="tx1"/>
+                          </a:solidFill>
+                        </a:rPr>
+                        <a:t>구매 </a:t>
+                      </a:r>
+                      <a:r>
+                        <a:rPr lang="ko-KR" altLang="en-US" sz="1400" baseline="0" dirty="0" err="1" smtClean="0">
+                          <a:solidFill>
+                            <a:schemeClr val="tx1"/>
+                          </a:solidFill>
+                        </a:rPr>
+                        <a:t>소콘</a:t>
+                      </a:r>
+                      <a:r>
+                        <a:rPr lang="ko-KR" altLang="en-US" sz="1400" baseline="0" dirty="0" smtClean="0">
+                          <a:solidFill>
+                            <a:schemeClr val="tx1"/>
+                          </a:solidFill>
+                        </a:rPr>
+                        <a:t> 상세 스크린</a:t>
+                      </a:r>
+                      <a:endParaRPr lang="ko-KR" altLang="en-US" sz="1400" dirty="0">
+                        <a:solidFill>
+                          <a:schemeClr val="tx1"/>
+                        </a:solidFill>
+                      </a:endParaRPr>
+                    </a:p>
+                  </a:txBody>
+                  <a:tcPr anchor="ctr">
+                    <a:lnL w="19050" cap="flat" cmpd="sng" algn="ctr">
+                      <a:solidFill>
+                        <a:schemeClr val="tx1"/>
+                      </a:solidFill>
+                      <a:prstDash val="solid"/>
+                      <a:round/>
+                      <a:headEnd type="none" w="med" len="med"/>
+                      <a:tailEnd type="none" w="med" len="med"/>
+                    </a:lnL>
+                    <a:lnR w="19050" cap="flat" cmpd="sng" algn="ctr">
+                      <a:solidFill>
+                        <a:schemeClr val="tx1"/>
+                      </a:solidFill>
+                      <a:prstDash val="solid"/>
+                      <a:round/>
+                      <a:headEnd type="none" w="med" len="med"/>
+                      <a:tailEnd type="none" w="med" len="med"/>
+                    </a:lnR>
+                    <a:lnT w="19050" cap="flat" cmpd="sng" algn="ctr">
+                      <a:solidFill>
+                        <a:schemeClr val="tx1"/>
+                      </a:solidFill>
+                      <a:prstDash val="solid"/>
+                      <a:round/>
+                      <a:headEnd type="none" w="med" len="med"/>
+                      <a:tailEnd type="none" w="med" len="med"/>
+                    </a:lnT>
+                    <a:lnB w="19050" cap="flat" cmpd="sng" algn="ctr">
+                      <a:solidFill>
+                        <a:schemeClr val="tx1"/>
+                      </a:solidFill>
+                      <a:prstDash val="solid"/>
+                      <a:round/>
+                      <a:headEnd type="none" w="med" len="med"/>
+                      <a:tailEnd type="none" w="med" len="med"/>
+                    </a:lnB>
+                    <a:lnTlToBr w="12700" cmpd="sng">
+                      <a:noFill/>
+                      <a:prstDash val="solid"/>
+                    </a:lnTlToBr>
+                    <a:lnBlToTr w="12700" cmpd="sng">
+                      <a:noFill/>
+                      <a:prstDash val="solid"/>
+                    </a:lnBlToTr>
+                    <a:solidFill>
+                      <a:schemeClr val="bg1"/>
+                    </a:solidFill>
+                  </a:tcPr>
+                </a:tc>
+                <a:extLst>
+                  <a:ext uri="{0D108BD9-81ED-4DB2-BD59-A6C34878D82A}">
+                    <a16:rowId xmlns:a16="http://schemas.microsoft.com/office/drawing/2014/main" val="1180741735"/>
+                  </a:ext>
+                </a:extLst>
+              </a:tr>
+              <a:tr h="185420">
+                <a:tc>
+                  <a:txBody>
+                    <a:bodyPr/>
+                    <a:lstStyle/>
+                    <a:p>
+                      <a:pPr algn="ctr" latinLnBrk="1"/>
+                      <a:r>
+                        <a:rPr lang="en-US" altLang="ko-KR" sz="1400" dirty="0" smtClean="0">
+                          <a:solidFill>
+                            <a:schemeClr val="tx1"/>
+                          </a:solidFill>
+                        </a:rPr>
+                        <a:t>2</a:t>
+                      </a:r>
+                      <a:endParaRPr lang="ko-KR" altLang="en-US" sz="1400" dirty="0">
+                        <a:solidFill>
+                          <a:schemeClr val="tx1"/>
+                        </a:solidFill>
+                      </a:endParaRPr>
+                    </a:p>
+                  </a:txBody>
+                  <a:tcPr anchor="ctr">
+                    <a:lnL w="19050" cap="flat" cmpd="sng" algn="ctr">
+                      <a:solidFill>
+                        <a:schemeClr val="tx1"/>
+                      </a:solidFill>
+                      <a:prstDash val="solid"/>
+                      <a:round/>
+                      <a:headEnd type="none" w="med" len="med"/>
+                      <a:tailEnd type="none" w="med" len="med"/>
+                    </a:lnL>
+                    <a:lnR w="19050" cap="flat" cmpd="sng" algn="ctr">
+                      <a:solidFill>
+                        <a:schemeClr val="tx1"/>
+                      </a:solidFill>
+                      <a:prstDash val="solid"/>
+                      <a:round/>
+                      <a:headEnd type="none" w="med" len="med"/>
+                      <a:tailEnd type="none" w="med" len="med"/>
+                    </a:lnR>
+                    <a:lnT w="19050" cap="flat" cmpd="sng" algn="ctr">
+                      <a:solidFill>
+                        <a:schemeClr val="tx1"/>
+                      </a:solidFill>
+                      <a:prstDash val="solid"/>
+                      <a:round/>
+                      <a:headEnd type="none" w="med" len="med"/>
+                      <a:tailEnd type="none" w="med" len="med"/>
+                    </a:lnT>
+                    <a:lnB w="19050" cap="flat" cmpd="sng" algn="ctr">
+                      <a:solidFill>
+                        <a:schemeClr val="tx1"/>
+                      </a:solidFill>
+                      <a:prstDash val="solid"/>
+                      <a:round/>
+                      <a:headEnd type="none" w="med" len="med"/>
+                      <a:tailEnd type="none" w="med" len="med"/>
+                    </a:lnB>
+                    <a:lnTlToBr w="12700" cmpd="sng">
+                      <a:noFill/>
+                      <a:prstDash val="solid"/>
+                    </a:lnTlToBr>
+                    <a:lnBlToTr w="12700" cmpd="sng">
+                      <a:noFill/>
+                      <a:prstDash val="solid"/>
+                    </a:lnBlToTr>
+                    <a:solidFill>
+                      <a:schemeClr val="bg1"/>
+                    </a:solidFill>
+                  </a:tcPr>
+                </a:tc>
+                <a:tc>
+                  <a:txBody>
+                    <a:bodyPr/>
+                    <a:lstStyle/>
+                    <a:p>
+                      <a:pPr latinLnBrk="1"/>
+                      <a:r>
+                        <a:rPr lang="ko-KR" altLang="en-US" sz="1400" dirty="0" err="1" smtClean="0">
+                          <a:solidFill>
+                            <a:schemeClr val="tx1"/>
+                          </a:solidFill>
+                        </a:rPr>
+                        <a:t>소콘</a:t>
+                      </a:r>
+                      <a:r>
+                        <a:rPr lang="ko-KR" altLang="en-US" sz="1400" dirty="0" smtClean="0">
+                          <a:solidFill>
+                            <a:schemeClr val="tx1"/>
+                          </a:solidFill>
+                        </a:rPr>
+                        <a:t> 상세 설명 및 안내</a:t>
+                      </a:r>
+                      <a:endParaRPr lang="ko-KR" altLang="en-US" sz="1400" dirty="0">
+                        <a:solidFill>
+                          <a:schemeClr val="tx1"/>
+                        </a:solidFill>
+                      </a:endParaRPr>
+                    </a:p>
+                  </a:txBody>
+                  <a:tcPr anchor="ctr">
+                    <a:lnL w="19050" cap="flat" cmpd="sng" algn="ctr">
+                      <a:solidFill>
+                        <a:schemeClr val="tx1"/>
+                      </a:solidFill>
+                      <a:prstDash val="solid"/>
+                      <a:round/>
+                      <a:headEnd type="none" w="med" len="med"/>
+                      <a:tailEnd type="none" w="med" len="med"/>
+                    </a:lnL>
+                    <a:lnR w="19050" cap="flat" cmpd="sng" algn="ctr">
+                      <a:solidFill>
+                        <a:schemeClr val="tx1"/>
+                      </a:solidFill>
+                      <a:prstDash val="solid"/>
+                      <a:round/>
+                      <a:headEnd type="none" w="med" len="med"/>
+                      <a:tailEnd type="none" w="med" len="med"/>
+                    </a:lnR>
+                    <a:lnT w="19050" cap="flat" cmpd="sng" algn="ctr">
+                      <a:solidFill>
+                        <a:schemeClr val="tx1"/>
+                      </a:solidFill>
+                      <a:prstDash val="solid"/>
+                      <a:round/>
+                      <a:headEnd type="none" w="med" len="med"/>
+                      <a:tailEnd type="none" w="med" len="med"/>
+                    </a:lnT>
+                    <a:lnB w="19050" cap="flat" cmpd="sng" algn="ctr">
+                      <a:solidFill>
+                        <a:schemeClr val="tx1"/>
+                      </a:solidFill>
+                      <a:prstDash val="solid"/>
+                      <a:round/>
+                      <a:headEnd type="none" w="med" len="med"/>
+                      <a:tailEnd type="none" w="med" len="med"/>
+                    </a:lnB>
+                    <a:lnTlToBr w="12700" cmpd="sng">
+                      <a:noFill/>
+                      <a:prstDash val="solid"/>
+                    </a:lnTlToBr>
+                    <a:lnBlToTr w="12700" cmpd="sng">
+                      <a:noFill/>
+                      <a:prstDash val="solid"/>
+                    </a:lnBlToTr>
+                    <a:solidFill>
+                      <a:schemeClr val="bg1"/>
+                    </a:solidFill>
+                  </a:tcPr>
+                </a:tc>
+                <a:tc>
+                  <a:txBody>
+                    <a:bodyPr/>
+                    <a:lstStyle/>
+                    <a:p>
+                      <a:pPr latinLnBrk="1"/>
+                      <a:r>
+                        <a:rPr lang="en-US" altLang="ko-KR" sz="1400" dirty="0" smtClean="0">
+                          <a:solidFill>
+                            <a:schemeClr val="tx1"/>
+                          </a:solidFill>
+                        </a:rPr>
+                        <a:t>- </a:t>
+                      </a:r>
+                      <a:r>
+                        <a:rPr lang="ko-KR" altLang="en-US" sz="1400" dirty="0" smtClean="0">
+                          <a:solidFill>
+                            <a:schemeClr val="tx1"/>
+                          </a:solidFill>
+                        </a:rPr>
+                        <a:t>구매 </a:t>
+                      </a:r>
+                      <a:r>
+                        <a:rPr lang="ko-KR" altLang="en-US" sz="1400" dirty="0" err="1" smtClean="0">
+                          <a:solidFill>
+                            <a:schemeClr val="tx1"/>
+                          </a:solidFill>
+                        </a:rPr>
+                        <a:t>소콘</a:t>
+                      </a:r>
+                      <a:r>
+                        <a:rPr lang="ko-KR" altLang="en-US" sz="1400" dirty="0" smtClean="0">
+                          <a:solidFill>
+                            <a:schemeClr val="tx1"/>
+                          </a:solidFill>
+                        </a:rPr>
+                        <a:t> 상세 스크린</a:t>
+                      </a:r>
+                      <a:endParaRPr lang="ko-KR" altLang="en-US" sz="1400" dirty="0">
+                        <a:solidFill>
+                          <a:schemeClr val="tx1"/>
+                        </a:solidFill>
+                      </a:endParaRPr>
+                    </a:p>
+                  </a:txBody>
+                  <a:tcPr anchor="ctr">
+                    <a:lnL w="19050" cap="flat" cmpd="sng" algn="ctr">
+                      <a:solidFill>
+                        <a:schemeClr val="tx1"/>
+                      </a:solidFill>
+                      <a:prstDash val="solid"/>
+                      <a:round/>
+                      <a:headEnd type="none" w="med" len="med"/>
+                      <a:tailEnd type="none" w="med" len="med"/>
+                    </a:lnL>
+                    <a:lnR w="19050" cap="flat" cmpd="sng" algn="ctr">
+                      <a:solidFill>
+                        <a:schemeClr val="tx1"/>
+                      </a:solidFill>
+                      <a:prstDash val="solid"/>
+                      <a:round/>
+                      <a:headEnd type="none" w="med" len="med"/>
+                      <a:tailEnd type="none" w="med" len="med"/>
+                    </a:lnR>
+                    <a:lnT w="19050" cap="flat" cmpd="sng" algn="ctr">
+                      <a:solidFill>
+                        <a:schemeClr val="tx1"/>
+                      </a:solidFill>
+                      <a:prstDash val="solid"/>
+                      <a:round/>
+                      <a:headEnd type="none" w="med" len="med"/>
+                      <a:tailEnd type="none" w="med" len="med"/>
+                    </a:lnT>
+                    <a:lnB w="19050" cap="flat" cmpd="sng" algn="ctr">
+                      <a:solidFill>
+                        <a:schemeClr val="tx1"/>
+                      </a:solidFill>
+                      <a:prstDash val="solid"/>
+                      <a:round/>
+                      <a:headEnd type="none" w="med" len="med"/>
+                      <a:tailEnd type="none" w="med" len="med"/>
+                    </a:lnB>
+                    <a:lnTlToBr w="12700" cmpd="sng">
+                      <a:noFill/>
+                      <a:prstDash val="solid"/>
+                    </a:lnTlToBr>
+                    <a:lnBlToTr w="12700" cmpd="sng">
+                      <a:noFill/>
+                      <a:prstDash val="solid"/>
+                    </a:lnBlToTr>
+                    <a:solidFill>
+                      <a:schemeClr val="bg1"/>
+                    </a:solidFill>
+                  </a:tcPr>
+                </a:tc>
+                <a:extLst>
+                  <a:ext uri="{0D108BD9-81ED-4DB2-BD59-A6C34878D82A}">
+                    <a16:rowId xmlns:a16="http://schemas.microsoft.com/office/drawing/2014/main" val="611181575"/>
+                  </a:ext>
+                </a:extLst>
+              </a:tr>
+              <a:tr h="185420">
+                <a:tc>
+                  <a:txBody>
+                    <a:bodyPr/>
+                    <a:lstStyle/>
+                    <a:p>
+                      <a:pPr algn="ctr" latinLnBrk="1"/>
+                      <a:r>
+                        <a:rPr lang="en-US" altLang="ko-KR" sz="1400" dirty="0" smtClean="0">
+                          <a:solidFill>
+                            <a:schemeClr val="tx1"/>
+                          </a:solidFill>
+                        </a:rPr>
+                        <a:t>3</a:t>
+                      </a:r>
+                      <a:endParaRPr lang="ko-KR" altLang="en-US" sz="1400" dirty="0">
+                        <a:solidFill>
+                          <a:schemeClr val="tx1"/>
+                        </a:solidFill>
+                      </a:endParaRPr>
+                    </a:p>
+                  </a:txBody>
+                  <a:tcPr anchor="ctr">
+                    <a:lnL w="19050" cap="flat" cmpd="sng" algn="ctr">
+                      <a:solidFill>
+                        <a:schemeClr val="tx1"/>
+                      </a:solidFill>
+                      <a:prstDash val="solid"/>
+                      <a:round/>
+                      <a:headEnd type="none" w="med" len="med"/>
+                      <a:tailEnd type="none" w="med" len="med"/>
+                    </a:lnL>
+                    <a:lnR w="19050" cap="flat" cmpd="sng" algn="ctr">
+                      <a:solidFill>
+                        <a:schemeClr val="tx1"/>
+                      </a:solidFill>
+                      <a:prstDash val="solid"/>
+                      <a:round/>
+                      <a:headEnd type="none" w="med" len="med"/>
+                      <a:tailEnd type="none" w="med" len="med"/>
+                    </a:lnR>
+                    <a:lnT w="19050" cap="flat" cmpd="sng" algn="ctr">
+                      <a:solidFill>
+                        <a:schemeClr val="tx1"/>
+                      </a:solidFill>
+                      <a:prstDash val="solid"/>
+                      <a:round/>
+                      <a:headEnd type="none" w="med" len="med"/>
+                      <a:tailEnd type="none" w="med" len="med"/>
+                    </a:lnT>
+                    <a:lnB w="19050" cap="flat" cmpd="sng" algn="ctr">
+                      <a:solidFill>
+                        <a:schemeClr val="tx1"/>
+                      </a:solidFill>
+                      <a:prstDash val="solid"/>
+                      <a:round/>
+                      <a:headEnd type="none" w="med" len="med"/>
+                      <a:tailEnd type="none" w="med" len="med"/>
+                    </a:lnB>
+                    <a:lnTlToBr w="12700" cmpd="sng">
+                      <a:noFill/>
+                      <a:prstDash val="solid"/>
+                    </a:lnTlToBr>
+                    <a:lnBlToTr w="12700" cmpd="sng">
+                      <a:noFill/>
+                      <a:prstDash val="solid"/>
+                    </a:lnBlToTr>
+                    <a:solidFill>
+                      <a:schemeClr val="bg1"/>
+                    </a:solidFill>
+                  </a:tcPr>
+                </a:tc>
+                <a:tc>
+                  <a:txBody>
+                    <a:bodyPr/>
+                    <a:lstStyle/>
+                    <a:p>
+                      <a:pPr latinLnBrk="1"/>
+                      <a:r>
+                        <a:rPr lang="ko-KR" altLang="en-US" sz="1400" dirty="0" smtClean="0">
+                          <a:solidFill>
+                            <a:schemeClr val="tx1"/>
+                          </a:solidFill>
+                        </a:rPr>
+                        <a:t>교환권 </a:t>
+                      </a:r>
+                      <a:r>
+                        <a:rPr lang="ko-KR" altLang="en-US" sz="1400" dirty="0" err="1" smtClean="0">
+                          <a:solidFill>
+                            <a:schemeClr val="tx1"/>
+                          </a:solidFill>
+                        </a:rPr>
+                        <a:t>저장시</a:t>
+                      </a:r>
+                      <a:r>
+                        <a:rPr lang="ko-KR" altLang="en-US" sz="1400" dirty="0" smtClean="0">
+                          <a:solidFill>
+                            <a:schemeClr val="tx1"/>
+                          </a:solidFill>
+                        </a:rPr>
+                        <a:t> 갤러리에 저장되는 </a:t>
+                      </a:r>
+                      <a:r>
+                        <a:rPr lang="en-US" altLang="ko-KR" sz="1400" dirty="0" smtClean="0">
+                          <a:solidFill>
+                            <a:schemeClr val="tx1"/>
+                          </a:solidFill>
+                        </a:rPr>
+                        <a:t>QR</a:t>
+                      </a:r>
+                      <a:r>
+                        <a:rPr lang="en-US" altLang="ko-KR" sz="1400" baseline="0" dirty="0" smtClean="0">
+                          <a:solidFill>
+                            <a:schemeClr val="tx1"/>
+                          </a:solidFill>
+                        </a:rPr>
+                        <a:t> </a:t>
+                      </a:r>
+                      <a:r>
+                        <a:rPr lang="ko-KR" altLang="en-US" sz="1400" baseline="0" dirty="0" smtClean="0">
+                          <a:solidFill>
+                            <a:schemeClr val="tx1"/>
+                          </a:solidFill>
+                        </a:rPr>
+                        <a:t>이미지</a:t>
+                      </a:r>
+                      <a:endParaRPr lang="ko-KR" altLang="en-US" sz="1400" dirty="0">
+                        <a:solidFill>
+                          <a:schemeClr val="tx1"/>
+                        </a:solidFill>
+                      </a:endParaRPr>
+                    </a:p>
+                  </a:txBody>
+                  <a:tcPr anchor="ctr">
+                    <a:lnL w="19050" cap="flat" cmpd="sng" algn="ctr">
+                      <a:solidFill>
+                        <a:schemeClr val="tx1"/>
+                      </a:solidFill>
+                      <a:prstDash val="solid"/>
+                      <a:round/>
+                      <a:headEnd type="none" w="med" len="med"/>
+                      <a:tailEnd type="none" w="med" len="med"/>
+                    </a:lnL>
+                    <a:lnR w="19050" cap="flat" cmpd="sng" algn="ctr">
+                      <a:solidFill>
+                        <a:schemeClr val="tx1"/>
+                      </a:solidFill>
+                      <a:prstDash val="solid"/>
+                      <a:round/>
+                      <a:headEnd type="none" w="med" len="med"/>
+                      <a:tailEnd type="none" w="med" len="med"/>
+                    </a:lnR>
+                    <a:lnT w="19050" cap="flat" cmpd="sng" algn="ctr">
+                      <a:solidFill>
+                        <a:schemeClr val="tx1"/>
+                      </a:solidFill>
+                      <a:prstDash val="solid"/>
+                      <a:round/>
+                      <a:headEnd type="none" w="med" len="med"/>
+                      <a:tailEnd type="none" w="med" len="med"/>
+                    </a:lnT>
+                    <a:lnB w="19050" cap="flat" cmpd="sng" algn="ctr">
+                      <a:solidFill>
+                        <a:schemeClr val="tx1"/>
+                      </a:solidFill>
+                      <a:prstDash val="solid"/>
+                      <a:round/>
+                      <a:headEnd type="none" w="med" len="med"/>
+                      <a:tailEnd type="none" w="med" len="med"/>
+                    </a:lnB>
+                    <a:lnTlToBr w="12700" cmpd="sng">
+                      <a:noFill/>
+                      <a:prstDash val="solid"/>
+                    </a:lnTlToBr>
+                    <a:lnBlToTr w="12700" cmpd="sng">
+                      <a:noFill/>
+                      <a:prstDash val="solid"/>
+                    </a:lnBlToTr>
+                    <a:solidFill>
+                      <a:schemeClr val="bg1"/>
+                    </a:solidFill>
+                  </a:tcPr>
+                </a:tc>
+                <a:tc>
+                  <a:txBody>
+                    <a:bodyPr/>
+                    <a:lstStyle/>
+                    <a:p>
+                      <a:pPr latinLnBrk="1"/>
+                      <a:r>
+                        <a:rPr lang="en-US" altLang="ko-KR" sz="1400" dirty="0" smtClean="0">
+                          <a:solidFill>
+                            <a:schemeClr val="tx1"/>
+                          </a:solidFill>
+                        </a:rPr>
+                        <a:t>- </a:t>
+                      </a:r>
+                      <a:r>
+                        <a:rPr lang="ko-KR" altLang="en-US" sz="1400" dirty="0" smtClean="0">
+                          <a:solidFill>
+                            <a:schemeClr val="tx1"/>
+                          </a:solidFill>
+                        </a:rPr>
+                        <a:t>교환권 저장 시 휴대폰 내 갤러리</a:t>
+                      </a:r>
+                      <a:endParaRPr lang="ko-KR" altLang="en-US" sz="1400" dirty="0">
+                        <a:solidFill>
+                          <a:schemeClr val="tx1"/>
+                        </a:solidFill>
+                      </a:endParaRPr>
+                    </a:p>
+                  </a:txBody>
+                  <a:tcPr anchor="ctr">
+                    <a:lnL w="19050" cap="flat" cmpd="sng" algn="ctr">
+                      <a:solidFill>
+                        <a:schemeClr val="tx1"/>
+                      </a:solidFill>
+                      <a:prstDash val="solid"/>
+                      <a:round/>
+                      <a:headEnd type="none" w="med" len="med"/>
+                      <a:tailEnd type="none" w="med" len="med"/>
+                    </a:lnL>
+                    <a:lnR w="19050" cap="flat" cmpd="sng" algn="ctr">
+                      <a:solidFill>
+                        <a:schemeClr val="tx1"/>
+                      </a:solidFill>
+                      <a:prstDash val="solid"/>
+                      <a:round/>
+                      <a:headEnd type="none" w="med" len="med"/>
+                      <a:tailEnd type="none" w="med" len="med"/>
+                    </a:lnR>
+                    <a:lnT w="19050" cap="flat" cmpd="sng" algn="ctr">
+                      <a:solidFill>
+                        <a:schemeClr val="tx1"/>
+                      </a:solidFill>
+                      <a:prstDash val="solid"/>
+                      <a:round/>
+                      <a:headEnd type="none" w="med" len="med"/>
+                      <a:tailEnd type="none" w="med" len="med"/>
+                    </a:lnT>
+                    <a:lnB w="19050" cap="flat" cmpd="sng" algn="ctr">
+                      <a:solidFill>
+                        <a:schemeClr val="tx1"/>
+                      </a:solidFill>
+                      <a:prstDash val="solid"/>
+                      <a:round/>
+                      <a:headEnd type="none" w="med" len="med"/>
+                      <a:tailEnd type="none" w="med" len="med"/>
+                    </a:lnB>
+                    <a:lnTlToBr w="12700" cmpd="sng">
+                      <a:noFill/>
+                      <a:prstDash val="solid"/>
+                    </a:lnTlToBr>
+                    <a:lnBlToTr w="12700" cmpd="sng">
+                      <a:noFill/>
+                      <a:prstDash val="solid"/>
+                    </a:lnBlToTr>
+                    <a:solidFill>
+                      <a:schemeClr val="bg1"/>
+                    </a:solidFill>
+                  </a:tcPr>
+                </a:tc>
+                <a:extLst>
+                  <a:ext uri="{0D108BD9-81ED-4DB2-BD59-A6C34878D82A}">
+                    <a16:rowId xmlns:a16="http://schemas.microsoft.com/office/drawing/2014/main" val="4119640125"/>
+                  </a:ext>
+                </a:extLst>
+              </a:tr>
+            </a:tbl>
+          </a:graphicData>
+        </a:graphic>
+      </p:graphicFrame>
+      <p:sp>
+        <p:nvSpPr>
+          <p:cNvPr id="31" name="직사각형 30"/>
+          <p:cNvSpPr/>
+          <p:nvPr/>
+        </p:nvSpPr>
+        <p:spPr>
+          <a:xfrm>
+            <a:off x="232883" y="1924730"/>
+            <a:ext cx="873299" cy="1051551"/>
+          </a:xfrm>
+          <a:prstGeom prst="rect">
+            <a:avLst/>
+          </a:prstGeom>
+          <a:noFill/>
+          <a:ln w="28575">
+            <a:solidFill>
+              <a:srgbClr val="0000FF"/>
+            </a:solidFill>
+            <a:prstDash val="dash"/>
+          </a:ln>
+        </p:spPr>
+        <p:style>
+          <a:lnRef idx="2">
+            <a:schemeClr val="accent1">
+              <a:shade val="50000"/>
+            </a:schemeClr>
+          </a:lnRef>
+          <a:fillRef idx="1">
+            <a:schemeClr val="accent1"/>
+          </a:fillRef>
+          <a:effectRef idx="0">
+            <a:schemeClr val="accent1"/>
+          </a:effectRef>
+          <a:fontRef idx="minor">
+            <a:schemeClr val="lt1"/>
+          </a:fontRef>
+        </p:style>
+        <p:txBody>
+          <a:bodyPr rtlCol="0" anchor="ctr"/>
+          <a:lstStyle/>
+          <a:p>
+            <a:pPr algn="ctr"/>
+            <a:endParaRPr lang="ko-KR" altLang="en-US"/>
+          </a:p>
+        </p:txBody>
+      </p:sp>
+      <p:sp>
+        <p:nvSpPr>
+          <p:cNvPr id="32" name="직사각형 31"/>
+          <p:cNvSpPr/>
+          <p:nvPr/>
+        </p:nvSpPr>
+        <p:spPr>
+          <a:xfrm>
+            <a:off x="1999395" y="1352987"/>
+            <a:ext cx="2001181" cy="2242929"/>
+          </a:xfrm>
+          <a:prstGeom prst="rect">
+            <a:avLst/>
+          </a:prstGeom>
+          <a:noFill/>
+          <a:ln w="28575">
+            <a:solidFill>
+              <a:srgbClr val="FF0000"/>
+            </a:solidFill>
+            <a:prstDash val="dash"/>
+          </a:ln>
+        </p:spPr>
+        <p:style>
+          <a:lnRef idx="2">
+            <a:schemeClr val="accent1">
+              <a:shade val="50000"/>
+            </a:schemeClr>
+          </a:lnRef>
+          <a:fillRef idx="1">
+            <a:schemeClr val="accent1"/>
+          </a:fillRef>
+          <a:effectRef idx="0">
+            <a:schemeClr val="accent1"/>
+          </a:effectRef>
+          <a:fontRef idx="minor">
+            <a:schemeClr val="lt1"/>
+          </a:fontRef>
+        </p:style>
+        <p:txBody>
+          <a:bodyPr rtlCol="0" anchor="ctr"/>
+          <a:lstStyle/>
+          <a:p>
+            <a:pPr algn="ctr"/>
+            <a:endParaRPr lang="ko-KR" altLang="en-US"/>
+          </a:p>
+        </p:txBody>
+      </p:sp>
+      <p:sp>
+        <p:nvSpPr>
+          <p:cNvPr id="33" name="직사각형 32"/>
+          <p:cNvSpPr/>
+          <p:nvPr/>
+        </p:nvSpPr>
+        <p:spPr>
+          <a:xfrm>
+            <a:off x="105591" y="1877248"/>
+            <a:ext cx="288000" cy="288000"/>
+          </a:xfrm>
+          <a:prstGeom prst="rect">
+            <a:avLst/>
+          </a:prstGeom>
+          <a:solidFill>
+            <a:srgbClr val="0000FF"/>
+          </a:solidFill>
+          <a:ln>
+            <a:solidFill>
+              <a:srgbClr val="0000FF"/>
+            </a:solidFill>
+          </a:ln>
+        </p:spPr>
+        <p:style>
+          <a:lnRef idx="2">
+            <a:schemeClr val="accent1">
+              <a:shade val="50000"/>
+            </a:schemeClr>
+          </a:lnRef>
+          <a:fillRef idx="1">
+            <a:schemeClr val="accent1"/>
+          </a:fillRef>
+          <a:effectRef idx="0">
+            <a:schemeClr val="accent1"/>
+          </a:effectRef>
+          <a:fontRef idx="minor">
+            <a:schemeClr val="lt1"/>
+          </a:fontRef>
+        </p:style>
+        <p:txBody>
+          <a:bodyPr rtlCol="0" anchor="ctr"/>
+          <a:lstStyle/>
+          <a:p>
+            <a:pPr algn="ctr"/>
+            <a:r>
+              <a:rPr lang="en-US" altLang="ko-KR" b="1" dirty="0" smtClean="0"/>
+              <a:t>A</a:t>
+            </a:r>
+            <a:endParaRPr lang="ko-KR" altLang="en-US" b="1" dirty="0"/>
+          </a:p>
+        </p:txBody>
+      </p:sp>
+      <p:sp>
+        <p:nvSpPr>
+          <p:cNvPr id="34" name="타원 33"/>
+          <p:cNvSpPr/>
+          <p:nvPr/>
+        </p:nvSpPr>
+        <p:spPr>
+          <a:xfrm>
+            <a:off x="1966000" y="1193791"/>
+            <a:ext cx="288000" cy="288000"/>
+          </a:xfrm>
+          <a:prstGeom prst="ellipse">
+            <a:avLst/>
+          </a:prstGeom>
+          <a:solidFill>
+            <a:srgbClr val="FF0000"/>
+          </a:solidFill>
+          <a:ln>
+            <a:solidFill>
+              <a:srgbClr val="FF0000"/>
+            </a:solidFill>
+          </a:ln>
+        </p:spPr>
+        <p:style>
+          <a:lnRef idx="2">
+            <a:schemeClr val="accent1">
+              <a:shade val="50000"/>
+            </a:schemeClr>
+          </a:lnRef>
+          <a:fillRef idx="1">
+            <a:schemeClr val="accent1"/>
+          </a:fillRef>
+          <a:effectRef idx="0">
+            <a:schemeClr val="accent1"/>
+          </a:effectRef>
+          <a:fontRef idx="minor">
+            <a:schemeClr val="lt1"/>
+          </a:fontRef>
+        </p:style>
+        <p:txBody>
+          <a:bodyPr rtlCol="0" anchor="ctr"/>
+          <a:lstStyle/>
+          <a:p>
+            <a:pPr algn="ctr"/>
+            <a:r>
+              <a:rPr lang="en-US" altLang="ko-KR" b="1" dirty="0"/>
+              <a:t>1</a:t>
+            </a:r>
+            <a:endParaRPr lang="ko-KR" altLang="en-US" b="1" dirty="0"/>
+          </a:p>
+        </p:txBody>
+      </p:sp>
+      <p:sp>
+        <p:nvSpPr>
+          <p:cNvPr id="35" name="직사각형 34"/>
+          <p:cNvSpPr/>
+          <p:nvPr/>
+        </p:nvSpPr>
+        <p:spPr>
+          <a:xfrm>
+            <a:off x="1999395" y="3703470"/>
+            <a:ext cx="2001181" cy="295809"/>
+          </a:xfrm>
+          <a:prstGeom prst="rect">
+            <a:avLst/>
+          </a:prstGeom>
+          <a:noFill/>
+          <a:ln w="28575">
+            <a:solidFill>
+              <a:srgbClr val="0000FF"/>
+            </a:solidFill>
+            <a:prstDash val="dash"/>
+          </a:ln>
+        </p:spPr>
+        <p:style>
+          <a:lnRef idx="2">
+            <a:schemeClr val="accent1">
+              <a:shade val="50000"/>
+            </a:schemeClr>
+          </a:lnRef>
+          <a:fillRef idx="1">
+            <a:schemeClr val="accent1"/>
+          </a:fillRef>
+          <a:effectRef idx="0">
+            <a:schemeClr val="accent1"/>
+          </a:effectRef>
+          <a:fontRef idx="minor">
+            <a:schemeClr val="lt1"/>
+          </a:fontRef>
+        </p:style>
+        <p:txBody>
+          <a:bodyPr rtlCol="0" anchor="ctr"/>
+          <a:lstStyle/>
+          <a:p>
+            <a:pPr algn="ctr"/>
+            <a:endParaRPr lang="ko-KR" altLang="en-US"/>
+          </a:p>
+        </p:txBody>
+      </p:sp>
+      <p:sp>
+        <p:nvSpPr>
+          <p:cNvPr id="36" name="직사각형 35"/>
+          <p:cNvSpPr/>
+          <p:nvPr/>
+        </p:nvSpPr>
+        <p:spPr>
+          <a:xfrm>
+            <a:off x="1914257" y="3559470"/>
+            <a:ext cx="288000" cy="288000"/>
+          </a:xfrm>
+          <a:prstGeom prst="rect">
+            <a:avLst/>
+          </a:prstGeom>
+          <a:solidFill>
+            <a:srgbClr val="0000FF"/>
+          </a:solidFill>
+          <a:ln>
+            <a:solidFill>
+              <a:srgbClr val="0000FF"/>
+            </a:solidFill>
+          </a:ln>
+        </p:spPr>
+        <p:style>
+          <a:lnRef idx="2">
+            <a:schemeClr val="accent1">
+              <a:shade val="50000"/>
+            </a:schemeClr>
+          </a:lnRef>
+          <a:fillRef idx="1">
+            <a:schemeClr val="accent1"/>
+          </a:fillRef>
+          <a:effectRef idx="0">
+            <a:schemeClr val="accent1"/>
+          </a:effectRef>
+          <a:fontRef idx="minor">
+            <a:schemeClr val="lt1"/>
+          </a:fontRef>
+        </p:style>
+        <p:txBody>
+          <a:bodyPr rtlCol="0" anchor="ctr"/>
+          <a:lstStyle/>
+          <a:p>
+            <a:pPr algn="ctr"/>
+            <a:r>
+              <a:rPr lang="en-US" altLang="ko-KR" b="1" dirty="0" smtClean="0"/>
+              <a:t>B</a:t>
+            </a:r>
+            <a:endParaRPr lang="ko-KR" altLang="en-US" b="1" dirty="0"/>
+          </a:p>
+        </p:txBody>
+      </p:sp>
+      <p:sp>
+        <p:nvSpPr>
+          <p:cNvPr id="39" name="타원 38"/>
+          <p:cNvSpPr/>
+          <p:nvPr/>
+        </p:nvSpPr>
+        <p:spPr>
+          <a:xfrm>
+            <a:off x="1930913" y="4087798"/>
+            <a:ext cx="288000" cy="288000"/>
+          </a:xfrm>
+          <a:prstGeom prst="ellipse">
+            <a:avLst/>
+          </a:prstGeom>
+          <a:solidFill>
+            <a:srgbClr val="FF0000"/>
+          </a:solidFill>
+          <a:ln>
+            <a:solidFill>
+              <a:srgbClr val="FF0000"/>
+            </a:solidFill>
+          </a:ln>
+        </p:spPr>
+        <p:style>
+          <a:lnRef idx="2">
+            <a:schemeClr val="accent1">
+              <a:shade val="50000"/>
+            </a:schemeClr>
+          </a:lnRef>
+          <a:fillRef idx="1">
+            <a:schemeClr val="accent1"/>
+          </a:fillRef>
+          <a:effectRef idx="0">
+            <a:schemeClr val="accent1"/>
+          </a:effectRef>
+          <a:fontRef idx="minor">
+            <a:schemeClr val="lt1"/>
+          </a:fontRef>
+        </p:style>
+        <p:txBody>
+          <a:bodyPr rtlCol="0" anchor="ctr"/>
+          <a:lstStyle/>
+          <a:p>
+            <a:pPr algn="ctr"/>
+            <a:r>
+              <a:rPr lang="en-US" altLang="ko-KR" b="1" dirty="0"/>
+              <a:t>2</a:t>
+            </a:r>
+            <a:endParaRPr lang="en-US" altLang="ko-KR" b="1" dirty="0" smtClean="0"/>
+          </a:p>
+        </p:txBody>
+      </p:sp>
+      <p:sp>
+        <p:nvSpPr>
+          <p:cNvPr id="38" name="TextBox 37"/>
+          <p:cNvSpPr txBox="1"/>
+          <p:nvPr/>
+        </p:nvSpPr>
+        <p:spPr>
+          <a:xfrm>
+            <a:off x="6121332" y="37256"/>
+            <a:ext cx="3025588" cy="369332"/>
+          </a:xfrm>
+          <a:prstGeom prst="rect">
+            <a:avLst/>
+          </a:prstGeom>
+          <a:noFill/>
+        </p:spPr>
+        <p:txBody>
+          <a:bodyPr wrap="square" rtlCol="0">
+            <a:spAutoFit/>
+          </a:bodyPr>
+          <a:lstStyle/>
+          <a:p>
+            <a:r>
+              <a:rPr lang="ko-KR" altLang="en-US" b="1" dirty="0" err="1" smtClean="0"/>
+              <a:t>소콘북</a:t>
+            </a:r>
+            <a:endParaRPr lang="en-US" altLang="ko-KR" b="1" dirty="0" smtClean="0"/>
+          </a:p>
+        </p:txBody>
+      </p:sp>
+      <p:sp>
+        <p:nvSpPr>
+          <p:cNvPr id="20" name="타원 19"/>
+          <p:cNvSpPr/>
+          <p:nvPr/>
+        </p:nvSpPr>
+        <p:spPr>
+          <a:xfrm>
+            <a:off x="4000576" y="1065812"/>
+            <a:ext cx="288000" cy="288000"/>
+          </a:xfrm>
+          <a:prstGeom prst="ellipse">
+            <a:avLst/>
+          </a:prstGeom>
+          <a:solidFill>
+            <a:srgbClr val="FF0000"/>
+          </a:solidFill>
+          <a:ln>
+            <a:solidFill>
+              <a:srgbClr val="FF0000"/>
+            </a:solidFill>
+          </a:ln>
+        </p:spPr>
+        <p:style>
+          <a:lnRef idx="2">
+            <a:schemeClr val="accent1">
+              <a:shade val="50000"/>
+            </a:schemeClr>
+          </a:lnRef>
+          <a:fillRef idx="1">
+            <a:schemeClr val="accent1"/>
+          </a:fillRef>
+          <a:effectRef idx="0">
+            <a:schemeClr val="accent1"/>
+          </a:effectRef>
+          <a:fontRef idx="minor">
+            <a:schemeClr val="lt1"/>
+          </a:fontRef>
+        </p:style>
+        <p:txBody>
+          <a:bodyPr rtlCol="0" anchor="ctr"/>
+          <a:lstStyle/>
+          <a:p>
+            <a:pPr algn="ctr"/>
+            <a:r>
+              <a:rPr lang="en-US" altLang="ko-KR" b="1" dirty="0"/>
+              <a:t>3</a:t>
+            </a:r>
+            <a:endParaRPr lang="en-US" altLang="ko-KR" b="1" dirty="0" smtClean="0"/>
+          </a:p>
+        </p:txBody>
+      </p:sp>
+    </p:spTree>
+    <p:extLst>
+      <p:ext uri="{BB962C8B-B14F-4D97-AF65-F5344CB8AC3E}">
+        <p14:creationId xmlns:p14="http://schemas.microsoft.com/office/powerpoint/2010/main" val="3250807542"/>
       </p:ext>
     </p:extLst>
   </p:cSld>
